--- a/泳道圖.pptx
+++ b/泳道圖.pptx
@@ -6,9 +6,11 @@
   </p:sldMasterIdLst>
   <p:sldIdLst>
     <p:sldId id="256" r:id="rId2"/>
-    <p:sldId id="257" r:id="rId3"/>
-    <p:sldId id="259" r:id="rId4"/>
-    <p:sldId id="258" r:id="rId5"/>
+    <p:sldId id="259" r:id="rId3"/>
+    <p:sldId id="260" r:id="rId4"/>
+    <p:sldId id="261" r:id="rId5"/>
+    <p:sldId id="257" r:id="rId6"/>
+    <p:sldId id="258" r:id="rId7"/>
   </p:sldIdLst>
   <p:sldSz cx="12192000" cy="6858000"/>
   <p:notesSz cx="6858000" cy="9144000"/>
@@ -246,7 +248,7 @@
           <a:p>
             <a:fld id="{560A9919-9AB7-4DD9-AF0B-A16B45D1B167}" type="datetimeFigureOut">
               <a:rPr lang="zh-TW" altLang="en-US" smtClean="0"/>
-              <a:t>2019/12/24</a:t>
+              <a:t>2019/12/25</a:t>
             </a:fld>
             <a:endParaRPr lang="zh-TW" altLang="en-US"/>
           </a:p>
@@ -416,7 +418,7 @@
           <a:p>
             <a:fld id="{560A9919-9AB7-4DD9-AF0B-A16B45D1B167}" type="datetimeFigureOut">
               <a:rPr lang="zh-TW" altLang="en-US" smtClean="0"/>
-              <a:t>2019/12/24</a:t>
+              <a:t>2019/12/25</a:t>
             </a:fld>
             <a:endParaRPr lang="zh-TW" altLang="en-US"/>
           </a:p>
@@ -596,7 +598,7 @@
           <a:p>
             <a:fld id="{560A9919-9AB7-4DD9-AF0B-A16B45D1B167}" type="datetimeFigureOut">
               <a:rPr lang="zh-TW" altLang="en-US" smtClean="0"/>
-              <a:t>2019/12/24</a:t>
+              <a:t>2019/12/25</a:t>
             </a:fld>
             <a:endParaRPr lang="zh-TW" altLang="en-US"/>
           </a:p>
@@ -766,7 +768,7 @@
           <a:p>
             <a:fld id="{560A9919-9AB7-4DD9-AF0B-A16B45D1B167}" type="datetimeFigureOut">
               <a:rPr lang="zh-TW" altLang="en-US" smtClean="0"/>
-              <a:t>2019/12/24</a:t>
+              <a:t>2019/12/25</a:t>
             </a:fld>
             <a:endParaRPr lang="zh-TW" altLang="en-US"/>
           </a:p>
@@ -1012,7 +1014,7 @@
           <a:p>
             <a:fld id="{560A9919-9AB7-4DD9-AF0B-A16B45D1B167}" type="datetimeFigureOut">
               <a:rPr lang="zh-TW" altLang="en-US" smtClean="0"/>
-              <a:t>2019/12/24</a:t>
+              <a:t>2019/12/25</a:t>
             </a:fld>
             <a:endParaRPr lang="zh-TW" altLang="en-US"/>
           </a:p>
@@ -1244,7 +1246,7 @@
           <a:p>
             <a:fld id="{560A9919-9AB7-4DD9-AF0B-A16B45D1B167}" type="datetimeFigureOut">
               <a:rPr lang="zh-TW" altLang="en-US" smtClean="0"/>
-              <a:t>2019/12/24</a:t>
+              <a:t>2019/12/25</a:t>
             </a:fld>
             <a:endParaRPr lang="zh-TW" altLang="en-US"/>
           </a:p>
@@ -1611,7 +1613,7 @@
           <a:p>
             <a:fld id="{560A9919-9AB7-4DD9-AF0B-A16B45D1B167}" type="datetimeFigureOut">
               <a:rPr lang="zh-TW" altLang="en-US" smtClean="0"/>
-              <a:t>2019/12/24</a:t>
+              <a:t>2019/12/25</a:t>
             </a:fld>
             <a:endParaRPr lang="zh-TW" altLang="en-US"/>
           </a:p>
@@ -1729,7 +1731,7 @@
           <a:p>
             <a:fld id="{560A9919-9AB7-4DD9-AF0B-A16B45D1B167}" type="datetimeFigureOut">
               <a:rPr lang="zh-TW" altLang="en-US" smtClean="0"/>
-              <a:t>2019/12/24</a:t>
+              <a:t>2019/12/25</a:t>
             </a:fld>
             <a:endParaRPr lang="zh-TW" altLang="en-US"/>
           </a:p>
@@ -1824,7 +1826,7 @@
           <a:p>
             <a:fld id="{560A9919-9AB7-4DD9-AF0B-A16B45D1B167}" type="datetimeFigureOut">
               <a:rPr lang="zh-TW" altLang="en-US" smtClean="0"/>
-              <a:t>2019/12/24</a:t>
+              <a:t>2019/12/25</a:t>
             </a:fld>
             <a:endParaRPr lang="zh-TW" altLang="en-US"/>
           </a:p>
@@ -2101,7 +2103,7 @@
           <a:p>
             <a:fld id="{560A9919-9AB7-4DD9-AF0B-A16B45D1B167}" type="datetimeFigureOut">
               <a:rPr lang="zh-TW" altLang="en-US" smtClean="0"/>
-              <a:t>2019/12/24</a:t>
+              <a:t>2019/12/25</a:t>
             </a:fld>
             <a:endParaRPr lang="zh-TW" altLang="en-US"/>
           </a:p>
@@ -2354,7 +2356,7 @@
           <a:p>
             <a:fld id="{560A9919-9AB7-4DD9-AF0B-A16B45D1B167}" type="datetimeFigureOut">
               <a:rPr lang="zh-TW" altLang="en-US" smtClean="0"/>
-              <a:t>2019/12/24</a:t>
+              <a:t>2019/12/25</a:t>
             </a:fld>
             <a:endParaRPr lang="zh-TW" altLang="en-US"/>
           </a:p>
@@ -2567,7 +2569,7 @@
           <a:p>
             <a:fld id="{560A9919-9AB7-4DD9-AF0B-A16B45D1B167}" type="datetimeFigureOut">
               <a:rPr lang="zh-TW" altLang="en-US" smtClean="0"/>
-              <a:t>2019/12/24</a:t>
+              <a:t>2019/12/25</a:t>
             </a:fld>
             <a:endParaRPr lang="zh-TW" altLang="en-US"/>
           </a:p>
@@ -5514,7 +5516,174 @@
         </p:nvSpPr>
         <p:spPr>
           <a:xfrm>
-            <a:off x="1358152" y="820271"/>
+            <a:off x="770708" y="1541416"/>
+            <a:ext cx="10502538" cy="2913017"/>
+          </a:xfrm>
+          <a:prstGeom prst="roundRect">
+            <a:avLst/>
+          </a:prstGeom>
+          <a:solidFill>
+            <a:schemeClr val="accent2">
+              <a:lumMod val="40000"/>
+              <a:lumOff val="60000"/>
+            </a:schemeClr>
+          </a:solidFill>
+          <a:ln>
+            <a:noFill/>
+          </a:ln>
+        </p:spPr>
+        <p:style>
+          <a:lnRef idx="2">
+            <a:schemeClr val="accent1">
+              <a:shade val="50000"/>
+            </a:schemeClr>
+          </a:lnRef>
+          <a:fillRef idx="1">
+            <a:schemeClr val="accent1"/>
+          </a:fillRef>
+          <a:effectRef idx="0">
+            <a:schemeClr val="accent1"/>
+          </a:effectRef>
+          <a:fontRef idx="minor">
+            <a:schemeClr val="lt1"/>
+          </a:fontRef>
+        </p:style>
+        <p:txBody>
+          <a:bodyPr rtlCol="0" anchor="ctr"/>
+          <a:lstStyle/>
+          <a:p>
+            <a:pPr algn="ctr"/>
+            <a:endParaRPr lang="zh-TW" altLang="en-US"/>
+          </a:p>
+        </p:txBody>
+      </p:sp>
+      <p:sp>
+        <p:nvSpPr>
+          <p:cNvPr id="2" name="文字方塊 1"/>
+          <p:cNvSpPr txBox="1"/>
+          <p:nvPr/>
+        </p:nvSpPr>
+        <p:spPr>
+          <a:xfrm>
+            <a:off x="770708" y="4794068"/>
+            <a:ext cx="10102446" cy="1569660"/>
+          </a:xfrm>
+          <a:prstGeom prst="rect">
+            <a:avLst/>
+          </a:prstGeom>
+          <a:noFill/>
+        </p:spPr>
+        <p:txBody>
+          <a:bodyPr wrap="none" rtlCol="0">
+            <a:spAutoFit/>
+          </a:bodyPr>
+          <a:lstStyle/>
+          <a:p>
+            <a:pPr marL="342900" indent="-342900">
+              <a:buFont typeface="+mj-lt"/>
+              <a:buAutoNum type="arabicPeriod"/>
+            </a:pPr>
+            <a:r>
+              <a:rPr lang="en-US" altLang="zh-TW" sz="2400" b="1" dirty="0" smtClean="0">
+                <a:latin typeface="微軟正黑體" panose="020B0604030504040204" pitchFamily="34" charset="-120"/>
+                <a:ea typeface="微軟正黑體" panose="020B0604030504040204" pitchFamily="34" charset="-120"/>
+              </a:rPr>
+              <a:t>9:00-21:00</a:t>
+            </a:r>
+            <a:r>
+              <a:rPr lang="zh-TW" altLang="en-US" sz="2400" b="1" dirty="0" smtClean="0">
+                <a:latin typeface="微軟正黑體" panose="020B0604030504040204" pitchFamily="34" charset="-120"/>
+                <a:ea typeface="微軟正黑體" panose="020B0604030504040204" pitchFamily="34" charset="-120"/>
+              </a:rPr>
+              <a:t>為系統目前設定營業時間，時間外無法使用顧客端點餐</a:t>
+            </a:r>
+            <a:r>
+              <a:rPr lang="zh-TW" altLang="en-US" sz="2400" b="1" dirty="0" smtClean="0">
+                <a:latin typeface="微軟正黑體" panose="020B0604030504040204" pitchFamily="34" charset="-120"/>
+                <a:ea typeface="微軟正黑體" panose="020B0604030504040204" pitchFamily="34" charset="-120"/>
+              </a:rPr>
+              <a:t>介面</a:t>
+            </a:r>
+            <a:endParaRPr lang="en-US" altLang="zh-TW" sz="2400" b="1" dirty="0" smtClean="0">
+              <a:latin typeface="微軟正黑體" panose="020B0604030504040204" pitchFamily="34" charset="-120"/>
+              <a:ea typeface="微軟正黑體" panose="020B0604030504040204" pitchFamily="34" charset="-120"/>
+            </a:endParaRPr>
+          </a:p>
+          <a:p>
+            <a:pPr marL="342900" indent="-342900">
+              <a:buFont typeface="+mj-lt"/>
+              <a:buAutoNum type="arabicPeriod"/>
+            </a:pPr>
+            <a:endParaRPr lang="en-US" altLang="zh-TW" sz="2400" b="1" dirty="0">
+              <a:latin typeface="微軟正黑體" panose="020B0604030504040204" pitchFamily="34" charset="-120"/>
+              <a:ea typeface="微軟正黑體" panose="020B0604030504040204" pitchFamily="34" charset="-120"/>
+            </a:endParaRPr>
+          </a:p>
+          <a:p>
+            <a:pPr marL="342900" indent="-342900">
+              <a:buFont typeface="+mj-lt"/>
+              <a:buAutoNum type="arabicPeriod"/>
+            </a:pPr>
+            <a:r>
+              <a:rPr lang="zh-TW" altLang="en-US" sz="2400" b="1" dirty="0" smtClean="0">
+                <a:latin typeface="微軟正黑體" panose="020B0604030504040204" pitchFamily="34" charset="-120"/>
+                <a:ea typeface="微軟正黑體" panose="020B0604030504040204" pitchFamily="34" charset="-120"/>
+              </a:rPr>
+              <a:t>員工帳號</a:t>
+            </a:r>
+            <a:r>
+              <a:rPr lang="en-US" altLang="zh-TW" sz="2400" b="1" dirty="0" smtClean="0">
+                <a:latin typeface="微軟正黑體" panose="020B0604030504040204" pitchFamily="34" charset="-120"/>
+                <a:ea typeface="微軟正黑體" panose="020B0604030504040204" pitchFamily="34" charset="-120"/>
+              </a:rPr>
+              <a:t>/</a:t>
+            </a:r>
+            <a:r>
+              <a:rPr lang="zh-TW" altLang="en-US" sz="2400" b="1" dirty="0" smtClean="0">
+                <a:latin typeface="微軟正黑體" panose="020B0604030504040204" pitchFamily="34" charset="-120"/>
+                <a:ea typeface="微軟正黑體" panose="020B0604030504040204" pitchFamily="34" charset="-120"/>
+              </a:rPr>
+              <a:t>密碼</a:t>
+            </a:r>
+            <a:r>
+              <a:rPr lang="en-US" altLang="zh-TW" sz="2400" b="1" dirty="0" smtClean="0">
+                <a:latin typeface="微軟正黑體" panose="020B0604030504040204" pitchFamily="34" charset="-120"/>
+                <a:ea typeface="微軟正黑體" panose="020B0604030504040204" pitchFamily="34" charset="-120"/>
+              </a:rPr>
+              <a:t>:</a:t>
+            </a:r>
+            <a:r>
+              <a:rPr lang="zh-TW" altLang="en-US" sz="2400" b="1" dirty="0" smtClean="0">
+                <a:latin typeface="微軟正黑體" panose="020B0604030504040204" pitchFamily="34" charset="-120"/>
+                <a:ea typeface="微軟正黑體" panose="020B0604030504040204" pitchFamily="34" charset="-120"/>
+              </a:rPr>
+              <a:t>皆為</a:t>
+            </a:r>
+            <a:r>
+              <a:rPr lang="en-US" altLang="zh-TW" sz="2400" b="1" dirty="0" smtClean="0">
+                <a:latin typeface="微軟正黑體" panose="020B0604030504040204" pitchFamily="34" charset="-120"/>
+                <a:ea typeface="微軟正黑體" panose="020B0604030504040204" pitchFamily="34" charset="-120"/>
+              </a:rPr>
+              <a:t>Cynthia</a:t>
+            </a:r>
+          </a:p>
+          <a:p>
+            <a:endParaRPr lang="en-US" altLang="zh-TW" sz="2400" b="1" dirty="0">
+              <a:latin typeface="微軟正黑體" panose="020B0604030504040204" pitchFamily="34" charset="-120"/>
+              <a:ea typeface="微軟正黑體" panose="020B0604030504040204" pitchFamily="34" charset="-120"/>
+            </a:endParaRPr>
+          </a:p>
+        </p:txBody>
+      </p:sp>
+      <p:sp>
+        <p:nvSpPr>
+          <p:cNvPr id="3" name="圓角矩形 2"/>
+          <p:cNvSpPr/>
+          <p:nvPr/>
+        </p:nvSpPr>
+        <p:spPr>
+          <a:xfrm>
+            <a:off x="430689" y="441448"/>
             <a:ext cx="4007224" cy="779929"/>
           </a:xfrm>
           <a:prstGeom prst="roundRect">
@@ -5553,7 +5722,17 @@
                 <a:latin typeface="微軟正黑體" panose="020B0604030504040204" pitchFamily="34" charset="-120"/>
                 <a:ea typeface="微軟正黑體" panose="020B0604030504040204" pitchFamily="34" charset="-120"/>
               </a:rPr>
-              <a:t>櫃台端</a:t>
+              <a:t>使用說</a:t>
+            </a:r>
+            <a:r>
+              <a:rPr lang="zh-TW" altLang="en-US" sz="3200" b="1" dirty="0">
+                <a:solidFill>
+                  <a:schemeClr val="tx1"/>
+                </a:solidFill>
+                <a:latin typeface="微軟正黑體" panose="020B0604030504040204" pitchFamily="34" charset="-120"/>
+                <a:ea typeface="微軟正黑體" panose="020B0604030504040204" pitchFamily="34" charset="-120"/>
+              </a:rPr>
+              <a:t>明</a:t>
             </a:r>
             <a:endParaRPr lang="zh-TW" altLang="en-US" sz="3200" b="1" dirty="0">
               <a:solidFill>
@@ -5567,281 +5746,14 @@
       </p:sp>
       <p:sp>
         <p:nvSpPr>
-          <p:cNvPr id="6" name="圓角矩形 5"/>
-          <p:cNvSpPr/>
-          <p:nvPr/>
-        </p:nvSpPr>
-        <p:spPr>
-          <a:xfrm>
-            <a:off x="6875929" y="820271"/>
-            <a:ext cx="4007224" cy="779929"/>
-          </a:xfrm>
-          <a:prstGeom prst="roundRect">
-            <a:avLst/>
-          </a:prstGeom>
-          <a:ln>
-            <a:noFill/>
-          </a:ln>
-        </p:spPr>
-        <p:style>
-          <a:lnRef idx="2">
-            <a:schemeClr val="accent4">
-              <a:shade val="50000"/>
-            </a:schemeClr>
-          </a:lnRef>
-          <a:fillRef idx="1">
-            <a:schemeClr val="accent4"/>
-          </a:fillRef>
-          <a:effectRef idx="0">
-            <a:schemeClr val="accent4"/>
-          </a:effectRef>
-          <a:fontRef idx="minor">
-            <a:schemeClr val="lt1"/>
-          </a:fontRef>
-        </p:style>
-        <p:txBody>
-          <a:bodyPr rtlCol="0" anchor="ctr"/>
-          <a:lstStyle/>
-          <a:p>
-            <a:pPr algn="ctr"/>
-            <a:r>
-              <a:rPr lang="zh-TW" altLang="en-US" sz="3200" b="1" dirty="0">
-                <a:solidFill>
-                  <a:schemeClr val="tx1"/>
-                </a:solidFill>
-                <a:latin typeface="微軟正黑體" panose="020B0604030504040204" pitchFamily="34" charset="-120"/>
-                <a:ea typeface="微軟正黑體" panose="020B0604030504040204" pitchFamily="34" charset="-120"/>
-              </a:rPr>
-              <a:t>廚房</a:t>
-            </a:r>
-            <a:r>
-              <a:rPr lang="zh-TW" altLang="en-US" sz="3200" b="1" dirty="0" smtClean="0">
-                <a:solidFill>
-                  <a:schemeClr val="tx1"/>
-                </a:solidFill>
-                <a:latin typeface="微軟正黑體" panose="020B0604030504040204" pitchFamily="34" charset="-120"/>
-                <a:ea typeface="微軟正黑體" panose="020B0604030504040204" pitchFamily="34" charset="-120"/>
-              </a:rPr>
-              <a:t>端</a:t>
-            </a:r>
-            <a:endParaRPr lang="zh-TW" altLang="en-US" sz="3200" b="1" dirty="0">
-              <a:solidFill>
-                <a:schemeClr val="tx1"/>
-              </a:solidFill>
-              <a:latin typeface="微軟正黑體" panose="020B0604030504040204" pitchFamily="34" charset="-120"/>
-              <a:ea typeface="微軟正黑體" panose="020B0604030504040204" pitchFamily="34" charset="-120"/>
-            </a:endParaRPr>
-          </a:p>
-        </p:txBody>
-      </p:sp>
-      <p:sp>
-        <p:nvSpPr>
-          <p:cNvPr id="7" name="圓角矩形 6"/>
-          <p:cNvSpPr/>
-          <p:nvPr/>
-        </p:nvSpPr>
-        <p:spPr>
-          <a:xfrm>
-            <a:off x="995083" y="1734672"/>
-            <a:ext cx="1210236" cy="712694"/>
-          </a:xfrm>
-          <a:prstGeom prst="roundRect">
-            <a:avLst/>
-          </a:prstGeom>
-          <a:solidFill>
-            <a:schemeClr val="accent6">
-              <a:lumMod val="40000"/>
-              <a:lumOff val="60000"/>
-            </a:schemeClr>
-          </a:solidFill>
-          <a:ln>
-            <a:noFill/>
-          </a:ln>
-        </p:spPr>
-        <p:style>
-          <a:lnRef idx="2">
-            <a:schemeClr val="accent1">
-              <a:shade val="50000"/>
-            </a:schemeClr>
-          </a:lnRef>
-          <a:fillRef idx="1">
-            <a:schemeClr val="accent1"/>
-          </a:fillRef>
-          <a:effectRef idx="0">
-            <a:schemeClr val="accent1"/>
-          </a:effectRef>
-          <a:fontRef idx="minor">
-            <a:schemeClr val="lt1"/>
-          </a:fontRef>
-        </p:style>
-        <p:txBody>
-          <a:bodyPr rtlCol="0" anchor="ctr"/>
-          <a:lstStyle/>
-          <a:p>
-            <a:pPr algn="ctr"/>
-            <a:r>
-              <a:rPr lang="zh-TW" altLang="en-US" sz="2000" b="1" dirty="0" smtClean="0">
-                <a:solidFill>
-                  <a:schemeClr val="tx1"/>
-                </a:solidFill>
-                <a:latin typeface="微軟正黑體" panose="020B0604030504040204" pitchFamily="34" charset="-120"/>
-                <a:ea typeface="微軟正黑體" panose="020B0604030504040204" pitchFamily="34" charset="-120"/>
-              </a:rPr>
-              <a:t>準備中</a:t>
-            </a:r>
-            <a:endParaRPr lang="zh-TW" altLang="en-US" sz="2000" b="1" dirty="0">
-              <a:solidFill>
-                <a:schemeClr val="tx1"/>
-              </a:solidFill>
-              <a:latin typeface="微軟正黑體" panose="020B0604030504040204" pitchFamily="34" charset="-120"/>
-              <a:ea typeface="微軟正黑體" panose="020B0604030504040204" pitchFamily="34" charset="-120"/>
-            </a:endParaRPr>
-          </a:p>
-        </p:txBody>
-      </p:sp>
-      <p:sp>
-        <p:nvSpPr>
-          <p:cNvPr id="8" name="圓角矩形 7"/>
-          <p:cNvSpPr/>
-          <p:nvPr/>
-        </p:nvSpPr>
-        <p:spPr>
-          <a:xfrm>
-            <a:off x="995083" y="2761132"/>
-            <a:ext cx="1210236" cy="712694"/>
-          </a:xfrm>
-          <a:prstGeom prst="roundRect">
-            <a:avLst/>
-          </a:prstGeom>
-          <a:solidFill>
-            <a:schemeClr val="accent6">
-              <a:lumMod val="40000"/>
-              <a:lumOff val="60000"/>
-            </a:schemeClr>
-          </a:solidFill>
-          <a:ln>
-            <a:noFill/>
-          </a:ln>
-        </p:spPr>
-        <p:style>
-          <a:lnRef idx="2">
-            <a:schemeClr val="accent1">
-              <a:shade val="50000"/>
-            </a:schemeClr>
-          </a:lnRef>
-          <a:fillRef idx="1">
-            <a:schemeClr val="accent1"/>
-          </a:fillRef>
-          <a:effectRef idx="0">
-            <a:schemeClr val="accent1"/>
-          </a:effectRef>
-          <a:fontRef idx="minor">
-            <a:schemeClr val="lt1"/>
-          </a:fontRef>
-        </p:style>
-        <p:txBody>
-          <a:bodyPr rtlCol="0" anchor="ctr"/>
-          <a:lstStyle/>
-          <a:p>
-            <a:pPr algn="ctr"/>
-            <a:r>
-              <a:rPr lang="zh-TW" altLang="en-US" sz="2000" b="1" dirty="0" smtClean="0">
-                <a:solidFill>
-                  <a:schemeClr val="tx1"/>
-                </a:solidFill>
-                <a:latin typeface="微軟正黑體" panose="020B0604030504040204" pitchFamily="34" charset="-120"/>
-                <a:ea typeface="微軟正黑體" panose="020B0604030504040204" pitchFamily="34" charset="-120"/>
-              </a:rPr>
-              <a:t>待出</a:t>
-            </a:r>
-            <a:r>
-              <a:rPr lang="zh-TW" altLang="en-US" sz="2000" b="1" dirty="0">
-                <a:solidFill>
-                  <a:schemeClr val="tx1"/>
-                </a:solidFill>
-                <a:latin typeface="微軟正黑體" panose="020B0604030504040204" pitchFamily="34" charset="-120"/>
-                <a:ea typeface="微軟正黑體" panose="020B0604030504040204" pitchFamily="34" charset="-120"/>
-              </a:rPr>
-              <a:t>餐</a:t>
-            </a:r>
-          </a:p>
-        </p:txBody>
-      </p:sp>
-      <p:sp>
-        <p:nvSpPr>
-          <p:cNvPr id="9" name="圓角矩形 8"/>
-          <p:cNvSpPr/>
-          <p:nvPr/>
-        </p:nvSpPr>
-        <p:spPr>
-          <a:xfrm>
-            <a:off x="995083" y="3774146"/>
-            <a:ext cx="1210236" cy="712694"/>
-          </a:xfrm>
-          <a:prstGeom prst="roundRect">
-            <a:avLst/>
-          </a:prstGeom>
-          <a:solidFill>
-            <a:schemeClr val="accent6">
-              <a:lumMod val="40000"/>
-              <a:lumOff val="60000"/>
-            </a:schemeClr>
-          </a:solidFill>
-          <a:ln>
-            <a:noFill/>
-          </a:ln>
-        </p:spPr>
-        <p:style>
-          <a:lnRef idx="2">
-            <a:schemeClr val="accent1">
-              <a:shade val="50000"/>
-            </a:schemeClr>
-          </a:lnRef>
-          <a:fillRef idx="1">
-            <a:schemeClr val="accent1"/>
-          </a:fillRef>
-          <a:effectRef idx="0">
-            <a:schemeClr val="accent1"/>
-          </a:effectRef>
-          <a:fontRef idx="minor">
-            <a:schemeClr val="lt1"/>
-          </a:fontRef>
-        </p:style>
-        <p:txBody>
-          <a:bodyPr rtlCol="0" anchor="ctr"/>
-          <a:lstStyle/>
-          <a:p>
-            <a:pPr algn="ctr"/>
-            <a:r>
-              <a:rPr lang="zh-TW" altLang="en-US" sz="2000" b="1" dirty="0" smtClean="0">
-                <a:solidFill>
-                  <a:schemeClr val="tx1"/>
-                </a:solidFill>
-                <a:latin typeface="微軟正黑體" panose="020B0604030504040204" pitchFamily="34" charset="-120"/>
-                <a:ea typeface="微軟正黑體" panose="020B0604030504040204" pitchFamily="34" charset="-120"/>
-              </a:rPr>
-              <a:t>待收款</a:t>
-            </a:r>
-            <a:endParaRPr lang="zh-TW" altLang="en-US" sz="2000" b="1" dirty="0">
-              <a:solidFill>
-                <a:schemeClr val="tx1"/>
-              </a:solidFill>
-              <a:latin typeface="微軟正黑體" panose="020B0604030504040204" pitchFamily="34" charset="-120"/>
-              <a:ea typeface="微軟正黑體" panose="020B0604030504040204" pitchFamily="34" charset="-120"/>
-            </a:endParaRPr>
-          </a:p>
-        </p:txBody>
-      </p:sp>
-      <p:sp>
-        <p:nvSpPr>
-          <p:cNvPr id="10" name="文字方塊 9"/>
+          <p:cNvPr id="4" name="文字方塊 3"/>
           <p:cNvSpPr txBox="1"/>
           <p:nvPr/>
         </p:nvSpPr>
         <p:spPr>
           <a:xfrm>
-            <a:off x="2326343" y="1860186"/>
-            <a:ext cx="3877985" cy="461665"/>
+            <a:off x="1049713" y="1762427"/>
+            <a:ext cx="9512348" cy="2308324"/>
           </a:xfrm>
           <a:prstGeom prst="rect">
             <a:avLst/>
@@ -5854,62 +5766,92 @@
           </a:bodyPr>
           <a:lstStyle/>
           <a:p>
+            <a:pPr marL="342900" indent="-342900">
+              <a:buFont typeface="Arial" panose="020B0604020202020204" pitchFamily="34" charset="0"/>
+              <a:buChar char="•"/>
+            </a:pPr>
             <a:r>
               <a:rPr lang="zh-TW" altLang="en-US" sz="2400" b="1" dirty="0" smtClean="0">
                 <a:latin typeface="微軟正黑體" panose="020B0604030504040204" pitchFamily="34" charset="-120"/>
                 <a:ea typeface="微軟正黑體" panose="020B0604030504040204" pitchFamily="34" charset="-120"/>
               </a:rPr>
-              <a:t>尚有餐點未製作完成的訂單</a:t>
+              <a:t>顧客端網址</a:t>
+            </a:r>
+            <a:r>
+              <a:rPr lang="en-US" altLang="zh-TW" sz="2400" b="1" dirty="0" smtClean="0">
+                <a:latin typeface="微軟正黑體" panose="020B0604030504040204" pitchFamily="34" charset="-120"/>
+                <a:ea typeface="微軟正黑體" panose="020B0604030504040204" pitchFamily="34" charset="-120"/>
+              </a:rPr>
+              <a:t>:</a:t>
+            </a:r>
+            <a:r>
+              <a:rPr lang="en-US" altLang="zh-TW" sz="2400" dirty="0">
+                <a:hlinkClick r:id="rId2"/>
+              </a:rPr>
+              <a:t>https://lay-order.rocket-coding.com</a:t>
+            </a:r>
+            <a:r>
+              <a:rPr lang="en-US" altLang="zh-TW" sz="2400" dirty="0" smtClean="0">
+                <a:hlinkClick r:id="rId2"/>
+              </a:rPr>
+              <a:t>/</a:t>
+            </a:r>
+            <a:endParaRPr lang="en-US" altLang="zh-TW" sz="2400" dirty="0" smtClean="0"/>
+          </a:p>
+          <a:p>
+            <a:pPr marL="342900" indent="-342900">
+              <a:buFont typeface="Arial" panose="020B0604020202020204" pitchFamily="34" charset="0"/>
+              <a:buChar char="•"/>
+            </a:pPr>
+            <a:r>
+              <a:rPr lang="zh-TW" altLang="en-US" sz="2400" b="1" dirty="0" smtClean="0">
+                <a:latin typeface="微軟正黑體" panose="020B0604030504040204" pitchFamily="34" charset="-120"/>
+                <a:ea typeface="微軟正黑體" panose="020B0604030504040204" pitchFamily="34" charset="-120"/>
+              </a:rPr>
+              <a:t>櫃台端網址</a:t>
+            </a:r>
+            <a:r>
+              <a:rPr lang="en-US" altLang="zh-TW" sz="2400" b="1" dirty="0" smtClean="0">
+                <a:latin typeface="微軟正黑體" panose="020B0604030504040204" pitchFamily="34" charset="-120"/>
+                <a:ea typeface="微軟正黑體" panose="020B0604030504040204" pitchFamily="34" charset="-120"/>
+              </a:rPr>
+              <a:t>:</a:t>
+            </a:r>
+            <a:r>
+              <a:rPr lang="en-US" altLang="zh-TW" sz="2400" dirty="0">
+                <a:hlinkClick r:id="rId3"/>
+              </a:rPr>
+              <a:t>https://lay-order.rocket-coding.com/index.html#/counter</a:t>
             </a:r>
             <a:endParaRPr lang="en-US" altLang="zh-TW" sz="2400" b="1" dirty="0" smtClean="0">
               <a:latin typeface="微軟正黑體" panose="020B0604030504040204" pitchFamily="34" charset="-120"/>
               <a:ea typeface="微軟正黑體" panose="020B0604030504040204" pitchFamily="34" charset="-120"/>
             </a:endParaRPr>
           </a:p>
-        </p:txBody>
-      </p:sp>
-      <p:sp>
-        <p:nvSpPr>
-          <p:cNvPr id="11" name="文字方塊 10"/>
-          <p:cNvSpPr txBox="1"/>
-          <p:nvPr/>
-        </p:nvSpPr>
-        <p:spPr>
-          <a:xfrm>
-            <a:off x="2326343" y="2726633"/>
-            <a:ext cx="3570208" cy="830997"/>
-          </a:xfrm>
-          <a:prstGeom prst="rect">
-            <a:avLst/>
-          </a:prstGeom>
-          <a:noFill/>
-        </p:spPr>
-        <p:txBody>
-          <a:bodyPr wrap="none" rtlCol="0">
-            <a:spAutoFit/>
-          </a:bodyPr>
-          <a:lstStyle/>
-          <a:p>
+          <a:p>
+            <a:pPr marL="342900" indent="-342900">
+              <a:buFont typeface="Arial" panose="020B0604020202020204" pitchFamily="34" charset="0"/>
+              <a:buChar char="•"/>
+            </a:pPr>
             <a:r>
               <a:rPr lang="zh-TW" altLang="en-US" sz="2400" b="1" dirty="0" smtClean="0">
                 <a:latin typeface="微軟正黑體" panose="020B0604030504040204" pitchFamily="34" charset="-120"/>
                 <a:ea typeface="微軟正黑體" panose="020B0604030504040204" pitchFamily="34" charset="-120"/>
               </a:rPr>
-              <a:t>全數或</a:t>
-            </a:r>
-            <a:r>
-              <a:rPr lang="zh-TW" altLang="en-US" sz="2400" b="1" dirty="0">
-                <a:latin typeface="微軟正黑體" panose="020B0604030504040204" pitchFamily="34" charset="-120"/>
-                <a:ea typeface="微軟正黑體" panose="020B0604030504040204" pitchFamily="34" charset="-120"/>
-              </a:rPr>
-              <a:t>部分</a:t>
-            </a:r>
-            <a:r>
-              <a:rPr lang="zh-TW" altLang="en-US" sz="2400" b="1" dirty="0" smtClean="0">
-                <a:latin typeface="微軟正黑體" panose="020B0604030504040204" pitchFamily="34" charset="-120"/>
-                <a:ea typeface="微軟正黑體" panose="020B0604030504040204" pitchFamily="34" charset="-120"/>
-              </a:rPr>
-              <a:t>餐點完成製作</a:t>
+              <a:t>廚房端網址</a:t>
+            </a:r>
+            <a:r>
+              <a:rPr lang="en-US" altLang="zh-TW" sz="2400" b="1" dirty="0" smtClean="0">
+                <a:latin typeface="微軟正黑體" panose="020B0604030504040204" pitchFamily="34" charset="-120"/>
+                <a:ea typeface="微軟正黑體" panose="020B0604030504040204" pitchFamily="34" charset="-120"/>
+              </a:rPr>
+              <a:t>:</a:t>
+            </a:r>
+            <a:r>
+              <a:rPr lang="en-US" altLang="zh-TW" sz="2400" dirty="0">
+                <a:hlinkClick r:id="rId4"/>
+              </a:rPr>
+              <a:t>https://lay-order.rocket-coding.com/index.html#/kitchen</a:t>
             </a:r>
             <a:endParaRPr lang="en-US" altLang="zh-TW" sz="2400" b="1" dirty="0" smtClean="0">
               <a:latin typeface="微軟正黑體" panose="020B0604030504040204" pitchFamily="34" charset="-120"/>
@@ -5917,674 +5859,97 @@
             </a:endParaRPr>
           </a:p>
           <a:p>
+            <a:pPr marL="342900" indent="-342900">
+              <a:buFont typeface="Arial" panose="020B0604020202020204" pitchFamily="34" charset="0"/>
+              <a:buChar char="•"/>
+            </a:pPr>
             <a:r>
               <a:rPr lang="zh-TW" altLang="en-US" sz="2400" b="1" dirty="0" smtClean="0">
                 <a:latin typeface="微軟正黑體" panose="020B0604030504040204" pitchFamily="34" charset="-120"/>
                 <a:ea typeface="微軟正黑體" panose="020B0604030504040204" pitchFamily="34" charset="-120"/>
               </a:rPr>
-              <a:t>但尚未送餐的訂單</a:t>
-            </a:r>
-            <a:endParaRPr lang="en-US" altLang="zh-TW" sz="2400" b="1" dirty="0" smtClean="0">
+              <a:t>老闆端網址</a:t>
+            </a:r>
+            <a:r>
+              <a:rPr lang="en-US" altLang="zh-TW" sz="2400" b="1" dirty="0" smtClean="0">
+                <a:latin typeface="微軟正黑體" panose="020B0604030504040204" pitchFamily="34" charset="-120"/>
+                <a:ea typeface="微軟正黑體" panose="020B0604030504040204" pitchFamily="34" charset="-120"/>
+              </a:rPr>
+              <a:t>:</a:t>
+            </a:r>
+            <a:r>
+              <a:rPr lang="en-US" altLang="zh-TW" sz="2400" dirty="0">
+                <a:hlinkClick r:id="rId5"/>
+              </a:rPr>
+              <a:t>https://</a:t>
+            </a:r>
+            <a:r>
+              <a:rPr lang="en-US" altLang="zh-TW" sz="2400" dirty="0" smtClean="0">
+                <a:hlinkClick r:id="rId5"/>
+              </a:rPr>
+              <a:t>lay-order.rocket-coding.com/Admin/</a:t>
+            </a:r>
+            <a:r>
+              <a:rPr lang="en-US" altLang="zh-TW" sz="2400" dirty="0" err="1" smtClean="0">
+                <a:hlinkClick r:id="rId5"/>
+              </a:rPr>
+              <a:t>BKHome</a:t>
+            </a:r>
+            <a:r>
+              <a:rPr lang="en-US" altLang="zh-TW" sz="2400" dirty="0" smtClean="0">
+                <a:hlinkClick r:id="rId5"/>
+              </a:rPr>
+              <a:t>/Login</a:t>
+            </a:r>
+            <a:endParaRPr lang="en-US" altLang="zh-TW" sz="2400" dirty="0" smtClean="0"/>
+          </a:p>
+          <a:p>
+            <a:pPr marL="342900" indent="-342900">
+              <a:buFont typeface="Arial" panose="020B0604020202020204" pitchFamily="34" charset="0"/>
+              <a:buChar char="•"/>
+            </a:pPr>
+            <a:endParaRPr lang="en-US" altLang="zh-TW" sz="2400" b="1" dirty="0">
               <a:latin typeface="微軟正黑體" panose="020B0604030504040204" pitchFamily="34" charset="-120"/>
               <a:ea typeface="微軟正黑體" panose="020B0604030504040204" pitchFamily="34" charset="-120"/>
             </a:endParaRPr>
           </a:p>
-        </p:txBody>
-      </p:sp>
-      <p:sp>
-        <p:nvSpPr>
-          <p:cNvPr id="12" name="文字方塊 11"/>
-          <p:cNvSpPr txBox="1"/>
-          <p:nvPr/>
-        </p:nvSpPr>
-        <p:spPr>
-          <a:xfrm>
-            <a:off x="2326343" y="3775524"/>
-            <a:ext cx="4185761" cy="830997"/>
-          </a:xfrm>
-          <a:prstGeom prst="rect">
-            <a:avLst/>
-          </a:prstGeom>
-          <a:noFill/>
-        </p:spPr>
-        <p:txBody>
-          <a:bodyPr wrap="none" rtlCol="0">
-            <a:spAutoFit/>
-          </a:bodyPr>
-          <a:lstStyle/>
-          <a:p>
+          <a:p>
+            <a:pPr marL="342900" indent="-342900">
+              <a:buFont typeface="Arial" panose="020B0604020202020204" pitchFamily="34" charset="0"/>
+              <a:buChar char="•"/>
+            </a:pPr>
+            <a:r>
+              <a:rPr lang="en-US" altLang="zh-TW" sz="2400" b="1" dirty="0" err="1" smtClean="0">
+                <a:latin typeface="微軟正黑體" panose="020B0604030504040204" pitchFamily="34" charset="-120"/>
+                <a:ea typeface="微軟正黑體" panose="020B0604030504040204" pitchFamily="34" charset="-120"/>
+              </a:rPr>
+              <a:t>Github</a:t>
+            </a:r>
             <a:r>
               <a:rPr lang="zh-TW" altLang="en-US" sz="2400" b="1" dirty="0" smtClean="0">
                 <a:latin typeface="微軟正黑體" panose="020B0604030504040204" pitchFamily="34" charset="-120"/>
                 <a:ea typeface="微軟正黑體" panose="020B0604030504040204" pitchFamily="34" charset="-120"/>
               </a:rPr>
-              <a:t>全數餐點製作完成、送餐完成</a:t>
-            </a:r>
-            <a:endParaRPr lang="en-US" altLang="zh-TW" sz="2400" b="1" dirty="0" smtClean="0">
+              <a:t>網址</a:t>
+            </a:r>
+            <a:r>
+              <a:rPr lang="en-US" altLang="zh-TW" sz="2400" b="1" dirty="0" smtClean="0">
+                <a:latin typeface="微軟正黑體" panose="020B0604030504040204" pitchFamily="34" charset="-120"/>
+                <a:ea typeface="微軟正黑體" panose="020B0604030504040204" pitchFamily="34" charset="-120"/>
+              </a:rPr>
+              <a:t>:</a:t>
+            </a:r>
+            <a:endParaRPr lang="zh-TW" altLang="en-US" sz="2400" b="1" dirty="0">
               <a:latin typeface="微軟正黑體" panose="020B0604030504040204" pitchFamily="34" charset="-120"/>
               <a:ea typeface="微軟正黑體" panose="020B0604030504040204" pitchFamily="34" charset="-120"/>
             </a:endParaRPr>
           </a:p>
-          <a:p>
-            <a:r>
-              <a:rPr lang="zh-TW" altLang="en-US" sz="2400" b="1" dirty="0" smtClean="0">
-                <a:latin typeface="微軟正黑體" panose="020B0604030504040204" pitchFamily="34" charset="-120"/>
-                <a:ea typeface="微軟正黑體" panose="020B0604030504040204" pitchFamily="34" charset="-120"/>
-              </a:rPr>
-              <a:t>但尚未</a:t>
-            </a:r>
-            <a:r>
-              <a:rPr lang="zh-TW" altLang="en-US" sz="2400" b="1" dirty="0">
-                <a:latin typeface="微軟正黑體" panose="020B0604030504040204" pitchFamily="34" charset="-120"/>
-                <a:ea typeface="微軟正黑體" panose="020B0604030504040204" pitchFamily="34" charset="-120"/>
-              </a:rPr>
-              <a:t>結帳</a:t>
-            </a:r>
-            <a:r>
-              <a:rPr lang="zh-TW" altLang="en-US" sz="2400" b="1" dirty="0" smtClean="0">
-                <a:latin typeface="微軟正黑體" panose="020B0604030504040204" pitchFamily="34" charset="-120"/>
-                <a:ea typeface="微軟正黑體" panose="020B0604030504040204" pitchFamily="34" charset="-120"/>
-              </a:rPr>
-              <a:t>的訂單</a:t>
-            </a:r>
-            <a:endParaRPr lang="en-US" altLang="zh-TW" sz="2400" b="1" dirty="0" smtClean="0">
-              <a:latin typeface="微軟正黑體" panose="020B0604030504040204" pitchFamily="34" charset="-120"/>
-              <a:ea typeface="微軟正黑體" panose="020B0604030504040204" pitchFamily="34" charset="-120"/>
-            </a:endParaRPr>
-          </a:p>
-        </p:txBody>
-      </p:sp>
-      <p:sp>
-        <p:nvSpPr>
-          <p:cNvPr id="13" name="圓角矩形 12"/>
-          <p:cNvSpPr/>
-          <p:nvPr/>
-        </p:nvSpPr>
-        <p:spPr>
-          <a:xfrm>
-            <a:off x="995083" y="4787160"/>
-            <a:ext cx="1210236" cy="712694"/>
-          </a:xfrm>
-          <a:prstGeom prst="roundRect">
-            <a:avLst/>
-          </a:prstGeom>
-          <a:solidFill>
-            <a:schemeClr val="accent6">
-              <a:lumMod val="40000"/>
-              <a:lumOff val="60000"/>
-            </a:schemeClr>
-          </a:solidFill>
-          <a:ln>
-            <a:noFill/>
-          </a:ln>
-        </p:spPr>
-        <p:style>
-          <a:lnRef idx="2">
-            <a:schemeClr val="accent1">
-              <a:shade val="50000"/>
-            </a:schemeClr>
-          </a:lnRef>
-          <a:fillRef idx="1">
-            <a:schemeClr val="accent1"/>
-          </a:fillRef>
-          <a:effectRef idx="0">
-            <a:schemeClr val="accent1"/>
-          </a:effectRef>
-          <a:fontRef idx="minor">
-            <a:schemeClr val="lt1"/>
-          </a:fontRef>
-        </p:style>
-        <p:txBody>
-          <a:bodyPr rtlCol="0" anchor="ctr"/>
-          <a:lstStyle/>
-          <a:p>
-            <a:pPr algn="ctr"/>
-            <a:r>
-              <a:rPr lang="zh-TW" altLang="en-US" sz="2000" b="1" dirty="0">
-                <a:solidFill>
-                  <a:schemeClr val="tx1"/>
-                </a:solidFill>
-                <a:latin typeface="微軟正黑體" panose="020B0604030504040204" pitchFamily="34" charset="-120"/>
-                <a:ea typeface="微軟正黑體" panose="020B0604030504040204" pitchFamily="34" charset="-120"/>
-              </a:rPr>
-              <a:t>已</a:t>
-            </a:r>
-            <a:r>
-              <a:rPr lang="zh-TW" altLang="en-US" sz="2000" b="1" dirty="0" smtClean="0">
-                <a:solidFill>
-                  <a:schemeClr val="tx1"/>
-                </a:solidFill>
-                <a:latin typeface="微軟正黑體" panose="020B0604030504040204" pitchFamily="34" charset="-120"/>
-                <a:ea typeface="微軟正黑體" panose="020B0604030504040204" pitchFamily="34" charset="-120"/>
-              </a:rPr>
-              <a:t>收款</a:t>
-            </a:r>
-            <a:endParaRPr lang="zh-TW" altLang="en-US" sz="2000" b="1" dirty="0">
-              <a:solidFill>
-                <a:schemeClr val="tx1"/>
-              </a:solidFill>
-              <a:latin typeface="微軟正黑體" panose="020B0604030504040204" pitchFamily="34" charset="-120"/>
-              <a:ea typeface="微軟正黑體" panose="020B0604030504040204" pitchFamily="34" charset="-120"/>
-            </a:endParaRPr>
-          </a:p>
-        </p:txBody>
-      </p:sp>
-      <p:sp>
-        <p:nvSpPr>
-          <p:cNvPr id="14" name="圓角矩形 13"/>
-          <p:cNvSpPr/>
-          <p:nvPr/>
-        </p:nvSpPr>
-        <p:spPr>
-          <a:xfrm>
-            <a:off x="995083" y="5800174"/>
-            <a:ext cx="1210236" cy="712694"/>
-          </a:xfrm>
-          <a:prstGeom prst="roundRect">
-            <a:avLst/>
-          </a:prstGeom>
-          <a:solidFill>
-            <a:schemeClr val="accent6">
-              <a:lumMod val="40000"/>
-              <a:lumOff val="60000"/>
-            </a:schemeClr>
-          </a:solidFill>
-          <a:ln>
-            <a:noFill/>
-          </a:ln>
-        </p:spPr>
-        <p:style>
-          <a:lnRef idx="2">
-            <a:schemeClr val="accent1">
-              <a:shade val="50000"/>
-            </a:schemeClr>
-          </a:lnRef>
-          <a:fillRef idx="1">
-            <a:schemeClr val="accent1"/>
-          </a:fillRef>
-          <a:effectRef idx="0">
-            <a:schemeClr val="accent1"/>
-          </a:effectRef>
-          <a:fontRef idx="minor">
-            <a:schemeClr val="lt1"/>
-          </a:fontRef>
-        </p:style>
-        <p:txBody>
-          <a:bodyPr rtlCol="0" anchor="ctr"/>
-          <a:lstStyle/>
-          <a:p>
-            <a:pPr algn="ctr"/>
-            <a:r>
-              <a:rPr lang="zh-TW" altLang="en-US" sz="2000" b="1" dirty="0" smtClean="0">
-                <a:solidFill>
-                  <a:schemeClr val="tx1"/>
-                </a:solidFill>
-                <a:latin typeface="微軟正黑體" panose="020B0604030504040204" pitchFamily="34" charset="-120"/>
-                <a:ea typeface="微軟正黑體" panose="020B0604030504040204" pitchFamily="34" charset="-120"/>
-              </a:rPr>
-              <a:t>已取</a:t>
-            </a:r>
-            <a:r>
-              <a:rPr lang="zh-TW" altLang="en-US" sz="2000" b="1" dirty="0">
-                <a:solidFill>
-                  <a:schemeClr val="tx1"/>
-                </a:solidFill>
-                <a:latin typeface="微軟正黑體" panose="020B0604030504040204" pitchFamily="34" charset="-120"/>
-                <a:ea typeface="微軟正黑體" panose="020B0604030504040204" pitchFamily="34" charset="-120"/>
-              </a:rPr>
-              <a:t>消</a:t>
-            </a:r>
-          </a:p>
-        </p:txBody>
-      </p:sp>
-      <p:sp>
-        <p:nvSpPr>
-          <p:cNvPr id="15" name="文字方塊 14"/>
-          <p:cNvSpPr txBox="1"/>
-          <p:nvPr/>
-        </p:nvSpPr>
-        <p:spPr>
-          <a:xfrm>
-            <a:off x="2326343" y="4912674"/>
-            <a:ext cx="2646878" cy="461665"/>
-          </a:xfrm>
-          <a:prstGeom prst="rect">
-            <a:avLst/>
-          </a:prstGeom>
-          <a:noFill/>
-        </p:spPr>
-        <p:txBody>
-          <a:bodyPr wrap="none" rtlCol="0">
-            <a:spAutoFit/>
-          </a:bodyPr>
-          <a:lstStyle/>
-          <a:p>
-            <a:r>
-              <a:rPr lang="zh-TW" altLang="en-US" sz="2400" b="1" dirty="0" smtClean="0">
-                <a:latin typeface="微軟正黑體" panose="020B0604030504040204" pitchFamily="34" charset="-120"/>
-                <a:ea typeface="微軟正黑體" panose="020B0604030504040204" pitchFamily="34" charset="-120"/>
-              </a:rPr>
-              <a:t>已完成結帳的訂單</a:t>
-            </a:r>
-            <a:endParaRPr lang="en-US" altLang="zh-TW" sz="2400" b="1" dirty="0" smtClean="0">
-              <a:latin typeface="微軟正黑體" panose="020B0604030504040204" pitchFamily="34" charset="-120"/>
-              <a:ea typeface="微軟正黑體" panose="020B0604030504040204" pitchFamily="34" charset="-120"/>
-            </a:endParaRPr>
-          </a:p>
-        </p:txBody>
-      </p:sp>
-      <p:sp>
-        <p:nvSpPr>
-          <p:cNvPr id="16" name="文字方塊 15"/>
-          <p:cNvSpPr txBox="1"/>
-          <p:nvPr/>
-        </p:nvSpPr>
-        <p:spPr>
-          <a:xfrm>
-            <a:off x="2322990" y="5925688"/>
-            <a:ext cx="2031325" cy="461665"/>
-          </a:xfrm>
-          <a:prstGeom prst="rect">
-            <a:avLst/>
-          </a:prstGeom>
-          <a:noFill/>
-        </p:spPr>
-        <p:txBody>
-          <a:bodyPr wrap="none" rtlCol="0">
-            <a:spAutoFit/>
-          </a:bodyPr>
-          <a:lstStyle/>
-          <a:p>
-            <a:r>
-              <a:rPr lang="zh-TW" altLang="en-US" sz="2400" b="1" dirty="0" smtClean="0">
-                <a:latin typeface="微軟正黑體" panose="020B0604030504040204" pitchFamily="34" charset="-120"/>
-                <a:ea typeface="微軟正黑體" panose="020B0604030504040204" pitchFamily="34" charset="-120"/>
-              </a:rPr>
-              <a:t>已取消的訂單</a:t>
-            </a:r>
-            <a:endParaRPr lang="en-US" altLang="zh-TW" sz="2400" b="1" dirty="0" smtClean="0">
-              <a:latin typeface="微軟正黑體" panose="020B0604030504040204" pitchFamily="34" charset="-120"/>
-              <a:ea typeface="微軟正黑體" panose="020B0604030504040204" pitchFamily="34" charset="-120"/>
-            </a:endParaRPr>
-          </a:p>
-        </p:txBody>
-      </p:sp>
-      <p:sp>
-        <p:nvSpPr>
-          <p:cNvPr id="17" name="圓角矩形 16"/>
-          <p:cNvSpPr/>
-          <p:nvPr/>
-        </p:nvSpPr>
-        <p:spPr>
-          <a:xfrm>
-            <a:off x="6768354" y="1854353"/>
-            <a:ext cx="1210236" cy="712694"/>
-          </a:xfrm>
-          <a:prstGeom prst="roundRect">
-            <a:avLst/>
-          </a:prstGeom>
-          <a:solidFill>
-            <a:schemeClr val="accent6">
-              <a:lumMod val="40000"/>
-              <a:lumOff val="60000"/>
-            </a:schemeClr>
-          </a:solidFill>
-          <a:ln>
-            <a:noFill/>
-          </a:ln>
-        </p:spPr>
-        <p:style>
-          <a:lnRef idx="2">
-            <a:schemeClr val="accent1">
-              <a:shade val="50000"/>
-            </a:schemeClr>
-          </a:lnRef>
-          <a:fillRef idx="1">
-            <a:schemeClr val="accent1"/>
-          </a:fillRef>
-          <a:effectRef idx="0">
-            <a:schemeClr val="accent1"/>
-          </a:effectRef>
-          <a:fontRef idx="minor">
-            <a:schemeClr val="lt1"/>
-          </a:fontRef>
-        </p:style>
-        <p:txBody>
-          <a:bodyPr rtlCol="0" anchor="ctr"/>
-          <a:lstStyle/>
-          <a:p>
-            <a:pPr algn="ctr"/>
-            <a:r>
-              <a:rPr lang="zh-TW" altLang="en-US" sz="2000" b="1" dirty="0" smtClean="0">
-                <a:solidFill>
-                  <a:schemeClr val="tx1"/>
-                </a:solidFill>
-                <a:latin typeface="微軟正黑體" panose="020B0604030504040204" pitchFamily="34" charset="-120"/>
-                <a:ea typeface="微軟正黑體" panose="020B0604030504040204" pitchFamily="34" charset="-120"/>
-              </a:rPr>
-              <a:t>外帶</a:t>
-            </a:r>
-            <a:r>
-              <a:rPr lang="en-US" altLang="zh-TW" sz="2000" b="1" dirty="0" smtClean="0">
-                <a:solidFill>
-                  <a:schemeClr val="tx1"/>
-                </a:solidFill>
-                <a:latin typeface="微軟正黑體" panose="020B0604030504040204" pitchFamily="34" charset="-120"/>
-                <a:ea typeface="微軟正黑體" panose="020B0604030504040204" pitchFamily="34" charset="-120"/>
-              </a:rPr>
-              <a:t>/</a:t>
-            </a:r>
-          </a:p>
-          <a:p>
-            <a:pPr algn="ctr"/>
-            <a:r>
-              <a:rPr lang="zh-TW" altLang="en-US" sz="2000" b="1" dirty="0" smtClean="0">
-                <a:solidFill>
-                  <a:schemeClr val="tx1"/>
-                </a:solidFill>
-                <a:latin typeface="微軟正黑體" panose="020B0604030504040204" pitchFamily="34" charset="-120"/>
-                <a:ea typeface="微軟正黑體" panose="020B0604030504040204" pitchFamily="34" charset="-120"/>
-              </a:rPr>
-              <a:t>內</a:t>
-            </a:r>
-            <a:r>
-              <a:rPr lang="zh-TW" altLang="en-US" sz="2000" b="1" dirty="0">
-                <a:solidFill>
-                  <a:schemeClr val="tx1"/>
-                </a:solidFill>
-                <a:latin typeface="微軟正黑體" panose="020B0604030504040204" pitchFamily="34" charset="-120"/>
-                <a:ea typeface="微軟正黑體" panose="020B0604030504040204" pitchFamily="34" charset="-120"/>
-              </a:rPr>
-              <a:t>用</a:t>
-            </a:r>
-          </a:p>
-        </p:txBody>
-      </p:sp>
-      <p:sp>
-        <p:nvSpPr>
-          <p:cNvPr id="18" name="文字方塊 17"/>
-          <p:cNvSpPr txBox="1"/>
-          <p:nvPr/>
-        </p:nvSpPr>
-        <p:spPr>
-          <a:xfrm>
-            <a:off x="8072720" y="1795201"/>
-            <a:ext cx="3262432" cy="830997"/>
-          </a:xfrm>
-          <a:prstGeom prst="rect">
-            <a:avLst/>
-          </a:prstGeom>
-          <a:noFill/>
-        </p:spPr>
-        <p:txBody>
-          <a:bodyPr wrap="none" rtlCol="0">
-            <a:spAutoFit/>
-          </a:bodyPr>
-          <a:lstStyle/>
-          <a:p>
-            <a:r>
-              <a:rPr lang="zh-TW" altLang="en-US" sz="2400" b="1" dirty="0" smtClean="0">
-                <a:latin typeface="微軟正黑體" panose="020B0604030504040204" pitchFamily="34" charset="-120"/>
-                <a:ea typeface="微軟正黑體" panose="020B0604030504040204" pitchFamily="34" charset="-120"/>
-              </a:rPr>
-              <a:t>尚有餐點未製作完成的</a:t>
-            </a:r>
-            <a:endParaRPr lang="en-US" altLang="zh-TW" sz="2400" b="1" dirty="0" smtClean="0">
-              <a:latin typeface="微軟正黑體" panose="020B0604030504040204" pitchFamily="34" charset="-120"/>
-              <a:ea typeface="微軟正黑體" panose="020B0604030504040204" pitchFamily="34" charset="-120"/>
-            </a:endParaRPr>
-          </a:p>
-          <a:p>
-            <a:r>
-              <a:rPr lang="zh-TW" altLang="en-US" sz="2400" b="1" dirty="0" smtClean="0">
-                <a:latin typeface="微軟正黑體" panose="020B0604030504040204" pitchFamily="34" charset="-120"/>
-                <a:ea typeface="微軟正黑體" panose="020B0604030504040204" pitchFamily="34" charset="-120"/>
-              </a:rPr>
-              <a:t>外帶</a:t>
-            </a:r>
-            <a:r>
-              <a:rPr lang="en-US" altLang="zh-TW" sz="2400" b="1" dirty="0" smtClean="0">
-                <a:latin typeface="微軟正黑體" panose="020B0604030504040204" pitchFamily="34" charset="-120"/>
-                <a:ea typeface="微軟正黑體" panose="020B0604030504040204" pitchFamily="34" charset="-120"/>
-              </a:rPr>
-              <a:t>/</a:t>
-            </a:r>
-            <a:r>
-              <a:rPr lang="zh-TW" altLang="en-US" sz="2400" b="1" dirty="0" smtClean="0">
-                <a:latin typeface="微軟正黑體" panose="020B0604030504040204" pitchFamily="34" charset="-120"/>
-                <a:ea typeface="微軟正黑體" panose="020B0604030504040204" pitchFamily="34" charset="-120"/>
-              </a:rPr>
-              <a:t>內用訂單</a:t>
-            </a:r>
-            <a:endParaRPr lang="en-US" altLang="zh-TW" sz="2400" b="1" dirty="0" smtClean="0">
-              <a:latin typeface="微軟正黑體" panose="020B0604030504040204" pitchFamily="34" charset="-120"/>
-              <a:ea typeface="微軟正黑體" panose="020B0604030504040204" pitchFamily="34" charset="-120"/>
-            </a:endParaRPr>
-          </a:p>
-        </p:txBody>
-      </p:sp>
-      <p:sp>
-        <p:nvSpPr>
-          <p:cNvPr id="19" name="圓角矩形 18"/>
-          <p:cNvSpPr/>
-          <p:nvPr/>
-        </p:nvSpPr>
-        <p:spPr>
-          <a:xfrm>
-            <a:off x="6768354" y="3201283"/>
-            <a:ext cx="1210236" cy="712694"/>
-          </a:xfrm>
-          <a:prstGeom prst="roundRect">
-            <a:avLst/>
-          </a:prstGeom>
-          <a:solidFill>
-            <a:schemeClr val="accent6">
-              <a:lumMod val="40000"/>
-              <a:lumOff val="60000"/>
-            </a:schemeClr>
-          </a:solidFill>
-          <a:ln>
-            <a:noFill/>
-          </a:ln>
-        </p:spPr>
-        <p:style>
-          <a:lnRef idx="2">
-            <a:schemeClr val="accent1">
-              <a:shade val="50000"/>
-            </a:schemeClr>
-          </a:lnRef>
-          <a:fillRef idx="1">
-            <a:schemeClr val="accent1"/>
-          </a:fillRef>
-          <a:effectRef idx="0">
-            <a:schemeClr val="accent1"/>
-          </a:effectRef>
-          <a:fontRef idx="minor">
-            <a:schemeClr val="lt1"/>
-          </a:fontRef>
-        </p:style>
-        <p:txBody>
-          <a:bodyPr rtlCol="0" anchor="ctr"/>
-          <a:lstStyle/>
-          <a:p>
-            <a:pPr algn="ctr"/>
-            <a:r>
-              <a:rPr lang="zh-TW" altLang="en-US" sz="2000" b="1" dirty="0" smtClean="0">
-                <a:solidFill>
-                  <a:schemeClr val="tx1"/>
-                </a:solidFill>
-                <a:latin typeface="微軟正黑體" panose="020B0604030504040204" pitchFamily="34" charset="-120"/>
-                <a:ea typeface="微軟正黑體" panose="020B0604030504040204" pitchFamily="34" charset="-120"/>
-              </a:rPr>
-              <a:t>大單</a:t>
-            </a:r>
-            <a:endParaRPr lang="zh-TW" altLang="en-US" sz="2000" b="1" dirty="0">
-              <a:solidFill>
-                <a:schemeClr val="tx1"/>
-              </a:solidFill>
-              <a:latin typeface="微軟正黑體" panose="020B0604030504040204" pitchFamily="34" charset="-120"/>
-              <a:ea typeface="微軟正黑體" panose="020B0604030504040204" pitchFamily="34" charset="-120"/>
-            </a:endParaRPr>
-          </a:p>
-        </p:txBody>
-      </p:sp>
-      <p:sp>
-        <p:nvSpPr>
-          <p:cNvPr id="20" name="文字方塊 19"/>
-          <p:cNvSpPr txBox="1"/>
-          <p:nvPr/>
-        </p:nvSpPr>
-        <p:spPr>
-          <a:xfrm>
-            <a:off x="8072720" y="3146616"/>
-            <a:ext cx="3877985" cy="830997"/>
-          </a:xfrm>
-          <a:prstGeom prst="rect">
-            <a:avLst/>
-          </a:prstGeom>
-          <a:noFill/>
-        </p:spPr>
-        <p:txBody>
-          <a:bodyPr wrap="none" rtlCol="0">
-            <a:spAutoFit/>
-          </a:bodyPr>
-          <a:lstStyle/>
-          <a:p>
-            <a:r>
-              <a:rPr lang="zh-TW" altLang="en-US" sz="2400" b="1" dirty="0" smtClean="0">
-                <a:latin typeface="微軟正黑體" panose="020B0604030504040204" pitchFamily="34" charset="-120"/>
-                <a:ea typeface="微軟正黑體" panose="020B0604030504040204" pitchFamily="34" charset="-120"/>
-              </a:rPr>
-              <a:t>大於老闆預設值、尚未製作</a:t>
-            </a:r>
-            <a:endParaRPr lang="en-US" altLang="zh-TW" sz="2400" b="1" dirty="0" smtClean="0">
-              <a:latin typeface="微軟正黑體" panose="020B0604030504040204" pitchFamily="34" charset="-120"/>
-              <a:ea typeface="微軟正黑體" panose="020B0604030504040204" pitchFamily="34" charset="-120"/>
-            </a:endParaRPr>
-          </a:p>
-          <a:p>
-            <a:r>
-              <a:rPr lang="zh-TW" altLang="en-US" sz="2400" b="1" dirty="0" smtClean="0">
-                <a:latin typeface="微軟正黑體" panose="020B0604030504040204" pitchFamily="34" charset="-120"/>
-                <a:ea typeface="微軟正黑體" panose="020B0604030504040204" pitchFamily="34" charset="-120"/>
-              </a:rPr>
-              <a:t>的訂單</a:t>
-            </a:r>
-            <a:endParaRPr lang="en-US" altLang="zh-TW" sz="2400" b="1" dirty="0" smtClean="0">
-              <a:latin typeface="微軟正黑體" panose="020B0604030504040204" pitchFamily="34" charset="-120"/>
-              <a:ea typeface="微軟正黑體" panose="020B0604030504040204" pitchFamily="34" charset="-120"/>
-            </a:endParaRPr>
-          </a:p>
-        </p:txBody>
-      </p:sp>
-      <p:sp>
-        <p:nvSpPr>
-          <p:cNvPr id="21" name="圓角矩形 20"/>
-          <p:cNvSpPr/>
-          <p:nvPr/>
-        </p:nvSpPr>
-        <p:spPr>
-          <a:xfrm>
-            <a:off x="6768354" y="4529421"/>
-            <a:ext cx="1210236" cy="712694"/>
-          </a:xfrm>
-          <a:prstGeom prst="roundRect">
-            <a:avLst/>
-          </a:prstGeom>
-          <a:solidFill>
-            <a:schemeClr val="accent6">
-              <a:lumMod val="40000"/>
-              <a:lumOff val="60000"/>
-            </a:schemeClr>
-          </a:solidFill>
-          <a:ln>
-            <a:noFill/>
-          </a:ln>
-        </p:spPr>
-        <p:style>
-          <a:lnRef idx="2">
-            <a:schemeClr val="accent1">
-              <a:shade val="50000"/>
-            </a:schemeClr>
-          </a:lnRef>
-          <a:fillRef idx="1">
-            <a:schemeClr val="accent1"/>
-          </a:fillRef>
-          <a:effectRef idx="0">
-            <a:schemeClr val="accent1"/>
-          </a:effectRef>
-          <a:fontRef idx="minor">
-            <a:schemeClr val="lt1"/>
-          </a:fontRef>
-        </p:style>
-        <p:txBody>
-          <a:bodyPr rtlCol="0" anchor="ctr"/>
-          <a:lstStyle/>
-          <a:p>
-            <a:pPr algn="ctr"/>
-            <a:r>
-              <a:rPr lang="zh-TW" altLang="en-US" sz="2000" b="1" dirty="0" smtClean="0">
-                <a:solidFill>
-                  <a:schemeClr val="tx1"/>
-                </a:solidFill>
-                <a:latin typeface="微軟正黑體" panose="020B0604030504040204" pitchFamily="34" charset="-120"/>
-                <a:ea typeface="微軟正黑體" panose="020B0604030504040204" pitchFamily="34" charset="-120"/>
-              </a:rPr>
-              <a:t>已完</a:t>
-            </a:r>
-            <a:r>
-              <a:rPr lang="zh-TW" altLang="en-US" sz="2000" b="1" dirty="0">
-                <a:solidFill>
-                  <a:schemeClr val="tx1"/>
-                </a:solidFill>
-                <a:latin typeface="微軟正黑體" panose="020B0604030504040204" pitchFamily="34" charset="-120"/>
-                <a:ea typeface="微軟正黑體" panose="020B0604030504040204" pitchFamily="34" charset="-120"/>
-              </a:rPr>
-              <a:t>成</a:t>
-            </a:r>
-          </a:p>
-        </p:txBody>
-      </p:sp>
-      <p:sp>
-        <p:nvSpPr>
-          <p:cNvPr id="22" name="文字方塊 21"/>
-          <p:cNvSpPr txBox="1"/>
-          <p:nvPr/>
-        </p:nvSpPr>
-        <p:spPr>
-          <a:xfrm>
-            <a:off x="8097082" y="4670635"/>
-            <a:ext cx="2646878" cy="461665"/>
-          </a:xfrm>
-          <a:prstGeom prst="rect">
-            <a:avLst/>
-          </a:prstGeom>
-          <a:noFill/>
-        </p:spPr>
-        <p:txBody>
-          <a:bodyPr wrap="none" rtlCol="0">
-            <a:spAutoFit/>
-          </a:bodyPr>
-          <a:lstStyle/>
-          <a:p>
-            <a:r>
-              <a:rPr lang="zh-TW" altLang="en-US" sz="2400" b="1" dirty="0" smtClean="0">
-                <a:latin typeface="微軟正黑體" panose="020B0604030504040204" pitchFamily="34" charset="-120"/>
-                <a:ea typeface="微軟正黑體" panose="020B0604030504040204" pitchFamily="34" charset="-120"/>
-              </a:rPr>
-              <a:t>已完成備餐的訂單</a:t>
-            </a:r>
-            <a:endParaRPr lang="en-US" altLang="zh-TW" sz="2400" b="1" dirty="0" smtClean="0">
-              <a:latin typeface="微軟正黑體" panose="020B0604030504040204" pitchFamily="34" charset="-120"/>
-              <a:ea typeface="微軟正黑體" panose="020B0604030504040204" pitchFamily="34" charset="-120"/>
-            </a:endParaRPr>
-          </a:p>
         </p:txBody>
       </p:sp>
     </p:spTree>
     <p:extLst>
       <p:ext uri="{BB962C8B-B14F-4D97-AF65-F5344CB8AC3E}">
-        <p14:creationId xmlns:p14="http://schemas.microsoft.com/office/powerpoint/2010/main" val="1490933477"/>
+        <p14:creationId xmlns:p14="http://schemas.microsoft.com/office/powerpoint/2010/main" val="3964507506"/>
       </p:ext>
     </p:extLst>
   </p:cSld>
@@ -6611,16 +5976,253 @@
           <a:chExt cx="0" cy="0"/>
         </a:xfrm>
       </p:grpSpPr>
-      <p:sp>
-        <p:nvSpPr>
-          <p:cNvPr id="2" name="文字方塊 1"/>
+      <p:pic>
+        <p:nvPicPr>
+          <p:cNvPr id="3" name="圖片 2"/>
+          <p:cNvPicPr>
+            <a:picLocks noChangeAspect="1"/>
+          </p:cNvPicPr>
+          <p:nvPr/>
+        </p:nvPicPr>
+        <p:blipFill>
+          <a:blip r:embed="rId2"/>
+          <a:stretch>
+            <a:fillRect/>
+          </a:stretch>
+        </p:blipFill>
+        <p:spPr>
+          <a:xfrm>
+            <a:off x="367585" y="1306286"/>
+            <a:ext cx="11511218" cy="5243240"/>
+          </a:xfrm>
+          <a:prstGeom prst="rect">
+            <a:avLst/>
+          </a:prstGeom>
+        </p:spPr>
+      </p:pic>
+      <p:sp>
+        <p:nvSpPr>
+          <p:cNvPr id="6" name="圓角矩形 5"/>
+          <p:cNvSpPr/>
+          <p:nvPr/>
+        </p:nvSpPr>
+        <p:spPr>
+          <a:xfrm>
+            <a:off x="7871579" y="151029"/>
+            <a:ext cx="4007224" cy="779929"/>
+          </a:xfrm>
+          <a:prstGeom prst="roundRect">
+            <a:avLst/>
+          </a:prstGeom>
+          <a:ln>
+            <a:noFill/>
+          </a:ln>
+        </p:spPr>
+        <p:style>
+          <a:lnRef idx="2">
+            <a:schemeClr val="accent4">
+              <a:shade val="50000"/>
+            </a:schemeClr>
+          </a:lnRef>
+          <a:fillRef idx="1">
+            <a:schemeClr val="accent4"/>
+          </a:fillRef>
+          <a:effectRef idx="0">
+            <a:schemeClr val="accent4"/>
+          </a:effectRef>
+          <a:fontRef idx="minor">
+            <a:schemeClr val="lt1"/>
+          </a:fontRef>
+        </p:style>
+        <p:txBody>
+          <a:bodyPr rtlCol="0" anchor="ctr"/>
+          <a:lstStyle/>
+          <a:p>
+            <a:pPr algn="ctr"/>
+            <a:r>
+              <a:rPr lang="zh-TW" altLang="en-US" sz="3200" b="1" dirty="0">
+                <a:solidFill>
+                  <a:schemeClr val="tx1"/>
+                </a:solidFill>
+                <a:latin typeface="微軟正黑體" panose="020B0604030504040204" pitchFamily="34" charset="-120"/>
+                <a:ea typeface="微軟正黑體" panose="020B0604030504040204" pitchFamily="34" charset="-120"/>
+              </a:rPr>
+              <a:t>廚房</a:t>
+            </a:r>
+            <a:r>
+              <a:rPr lang="zh-TW" altLang="en-US" sz="3200" b="1" dirty="0" smtClean="0">
+                <a:solidFill>
+                  <a:schemeClr val="tx1"/>
+                </a:solidFill>
+                <a:latin typeface="微軟正黑體" panose="020B0604030504040204" pitchFamily="34" charset="-120"/>
+                <a:ea typeface="微軟正黑體" panose="020B0604030504040204" pitchFamily="34" charset="-120"/>
+              </a:rPr>
+              <a:t>端</a:t>
+            </a:r>
+            <a:endParaRPr lang="zh-TW" altLang="en-US" sz="3200" b="1" dirty="0">
+              <a:solidFill>
+                <a:schemeClr val="tx1"/>
+              </a:solidFill>
+              <a:latin typeface="微軟正黑體" panose="020B0604030504040204" pitchFamily="34" charset="-120"/>
+              <a:ea typeface="微軟正黑體" panose="020B0604030504040204" pitchFamily="34" charset="-120"/>
+            </a:endParaRPr>
+          </a:p>
+        </p:txBody>
+      </p:sp>
+      <p:sp>
+        <p:nvSpPr>
+          <p:cNvPr id="7" name="圓角矩形 6"/>
+          <p:cNvSpPr/>
+          <p:nvPr/>
+        </p:nvSpPr>
+        <p:spPr>
+          <a:xfrm>
+            <a:off x="261257" y="1188719"/>
+            <a:ext cx="809897" cy="5525589"/>
+          </a:xfrm>
+          <a:prstGeom prst="roundRect">
+            <a:avLst/>
+          </a:prstGeom>
+          <a:noFill/>
+          <a:ln w="38100">
+            <a:solidFill>
+              <a:schemeClr val="accent5">
+                <a:lumMod val="75000"/>
+              </a:schemeClr>
+            </a:solidFill>
+          </a:ln>
+        </p:spPr>
+        <p:style>
+          <a:lnRef idx="2">
+            <a:schemeClr val="accent1">
+              <a:shade val="50000"/>
+            </a:schemeClr>
+          </a:lnRef>
+          <a:fillRef idx="1">
+            <a:schemeClr val="accent1"/>
+          </a:fillRef>
+          <a:effectRef idx="0">
+            <a:schemeClr val="accent1"/>
+          </a:effectRef>
+          <a:fontRef idx="minor">
+            <a:schemeClr val="lt1"/>
+          </a:fontRef>
+        </p:style>
+        <p:txBody>
+          <a:bodyPr rtlCol="0" anchor="ctr"/>
+          <a:lstStyle/>
+          <a:p>
+            <a:pPr algn="ctr"/>
+            <a:endParaRPr lang="zh-TW" altLang="en-US"/>
+          </a:p>
+        </p:txBody>
+      </p:sp>
+      <p:sp>
+        <p:nvSpPr>
+          <p:cNvPr id="9" name="圓角矩形 8"/>
+          <p:cNvSpPr/>
+          <p:nvPr/>
+        </p:nvSpPr>
+        <p:spPr>
+          <a:xfrm>
+            <a:off x="3862406" y="1785818"/>
+            <a:ext cx="2612572" cy="705394"/>
+          </a:xfrm>
+          <a:prstGeom prst="roundRect">
+            <a:avLst/>
+          </a:prstGeom>
+          <a:noFill/>
+          <a:ln w="38100">
+            <a:solidFill>
+              <a:schemeClr val="accent5">
+                <a:lumMod val="75000"/>
+              </a:schemeClr>
+            </a:solidFill>
+          </a:ln>
+        </p:spPr>
+        <p:style>
+          <a:lnRef idx="2">
+            <a:schemeClr val="accent1">
+              <a:shade val="50000"/>
+            </a:schemeClr>
+          </a:lnRef>
+          <a:fillRef idx="1">
+            <a:schemeClr val="accent1"/>
+          </a:fillRef>
+          <a:effectRef idx="0">
+            <a:schemeClr val="accent1"/>
+          </a:effectRef>
+          <a:fontRef idx="minor">
+            <a:schemeClr val="lt1"/>
+          </a:fontRef>
+        </p:style>
+        <p:txBody>
+          <a:bodyPr rtlCol="0" anchor="ctr"/>
+          <a:lstStyle/>
+          <a:p>
+            <a:pPr algn="ctr"/>
+            <a:endParaRPr lang="zh-TW" altLang="en-US"/>
+          </a:p>
+        </p:txBody>
+      </p:sp>
+      <p:sp>
+        <p:nvSpPr>
+          <p:cNvPr id="10" name="圓角矩形 9"/>
+          <p:cNvSpPr/>
+          <p:nvPr/>
+        </p:nvSpPr>
+        <p:spPr>
+          <a:xfrm>
+            <a:off x="1177482" y="5416732"/>
+            <a:ext cx="2612572" cy="705394"/>
+          </a:xfrm>
+          <a:prstGeom prst="roundRect">
+            <a:avLst/>
+          </a:prstGeom>
+          <a:noFill/>
+          <a:ln w="38100">
+            <a:solidFill>
+              <a:schemeClr val="accent5">
+                <a:lumMod val="75000"/>
+              </a:schemeClr>
+            </a:solidFill>
+          </a:ln>
+        </p:spPr>
+        <p:style>
+          <a:lnRef idx="2">
+            <a:schemeClr val="accent1">
+              <a:shade val="50000"/>
+            </a:schemeClr>
+          </a:lnRef>
+          <a:fillRef idx="1">
+            <a:schemeClr val="accent1"/>
+          </a:fillRef>
+          <a:effectRef idx="0">
+            <a:schemeClr val="accent1"/>
+          </a:effectRef>
+          <a:fontRef idx="minor">
+            <a:schemeClr val="lt1"/>
+          </a:fontRef>
+        </p:style>
+        <p:txBody>
+          <a:bodyPr rtlCol="0" anchor="ctr"/>
+          <a:lstStyle/>
+          <a:p>
+            <a:pPr algn="ctr"/>
+            <a:endParaRPr lang="zh-TW" altLang="en-US"/>
+          </a:p>
+        </p:txBody>
+      </p:sp>
+      <p:sp>
+        <p:nvSpPr>
+          <p:cNvPr id="11" name="文字方塊 10"/>
           <p:cNvSpPr txBox="1"/>
           <p:nvPr/>
         </p:nvSpPr>
         <p:spPr>
           <a:xfrm>
-            <a:off x="1358537" y="731520"/>
-            <a:ext cx="7201010" cy="369332"/>
+            <a:off x="3691364" y="2584395"/>
+            <a:ext cx="2954655" cy="369332"/>
           </a:xfrm>
           <a:prstGeom prst="rect">
             <a:avLst/>
@@ -6634,21 +6236,125 @@
           <a:lstStyle/>
           <a:p>
             <a:r>
-              <a:rPr lang="en-US" altLang="zh-TW" dirty="0" smtClean="0"/>
-              <a:t>9:00-21:00</a:t>
-            </a:r>
-            <a:r>
-              <a:rPr lang="zh-TW" altLang="en-US" dirty="0" smtClean="0"/>
-              <a:t>為系統目前設定營業時間，時間外無法使用顧客端點餐介面</a:t>
-            </a:r>
-            <a:endParaRPr lang="zh-TW" altLang="en-US" dirty="0"/>
+              <a:rPr lang="zh-TW" altLang="en-US" b="1" dirty="0" smtClean="0">
+                <a:solidFill>
+                  <a:schemeClr val="accent5">
+                    <a:lumMod val="75000"/>
+                  </a:schemeClr>
+                </a:solidFill>
+                <a:latin typeface="微軟正黑體" panose="020B0604030504040204" pitchFamily="34" charset="-120"/>
+                <a:ea typeface="微軟正黑體" panose="020B0604030504040204" pitchFamily="34" charset="-120"/>
+              </a:rPr>
+              <a:t>點選可以通知單品備餐完成</a:t>
+            </a:r>
+            <a:endParaRPr lang="zh-TW" altLang="en-US" b="1" dirty="0">
+              <a:solidFill>
+                <a:schemeClr val="accent5">
+                  <a:lumMod val="75000"/>
+                </a:schemeClr>
+              </a:solidFill>
+              <a:latin typeface="微軟正黑體" panose="020B0604030504040204" pitchFamily="34" charset="-120"/>
+              <a:ea typeface="微軟正黑體" panose="020B0604030504040204" pitchFamily="34" charset="-120"/>
+            </a:endParaRPr>
+          </a:p>
+        </p:txBody>
+      </p:sp>
+      <p:sp>
+        <p:nvSpPr>
+          <p:cNvPr id="12" name="文字方塊 11"/>
+          <p:cNvSpPr txBox="1"/>
+          <p:nvPr/>
+        </p:nvSpPr>
+        <p:spPr>
+          <a:xfrm>
+            <a:off x="1177482" y="4898963"/>
+            <a:ext cx="3185487" cy="369332"/>
+          </a:xfrm>
+          <a:prstGeom prst="rect">
+            <a:avLst/>
+          </a:prstGeom>
+          <a:noFill/>
+        </p:spPr>
+        <p:txBody>
+          <a:bodyPr wrap="none" rtlCol="0">
+            <a:spAutoFit/>
+          </a:bodyPr>
+          <a:lstStyle/>
+          <a:p>
+            <a:r>
+              <a:rPr lang="zh-TW" altLang="en-US" b="1" dirty="0" smtClean="0">
+                <a:solidFill>
+                  <a:schemeClr val="accent5">
+                    <a:lumMod val="75000"/>
+                  </a:schemeClr>
+                </a:solidFill>
+                <a:latin typeface="微軟正黑體" panose="020B0604030504040204" pitchFamily="34" charset="-120"/>
+                <a:ea typeface="微軟正黑體" panose="020B0604030504040204" pitchFamily="34" charset="-120"/>
+              </a:rPr>
+              <a:t>點選可以通知整張單備餐完成</a:t>
+            </a:r>
+            <a:endParaRPr lang="zh-TW" altLang="en-US" b="1" dirty="0">
+              <a:solidFill>
+                <a:schemeClr val="accent5">
+                  <a:lumMod val="75000"/>
+                </a:schemeClr>
+              </a:solidFill>
+              <a:latin typeface="微軟正黑體" panose="020B0604030504040204" pitchFamily="34" charset="-120"/>
+              <a:ea typeface="微軟正黑體" panose="020B0604030504040204" pitchFamily="34" charset="-120"/>
+            </a:endParaRPr>
+          </a:p>
+        </p:txBody>
+      </p:sp>
+      <p:sp>
+        <p:nvSpPr>
+          <p:cNvPr id="13" name="文字方塊 12"/>
+          <p:cNvSpPr txBox="1"/>
+          <p:nvPr/>
+        </p:nvSpPr>
+        <p:spPr>
+          <a:xfrm>
+            <a:off x="261257" y="670950"/>
+            <a:ext cx="2954655" cy="369332"/>
+          </a:xfrm>
+          <a:prstGeom prst="rect">
+            <a:avLst/>
+          </a:prstGeom>
+          <a:noFill/>
+        </p:spPr>
+        <p:txBody>
+          <a:bodyPr wrap="none" rtlCol="0">
+            <a:spAutoFit/>
+          </a:bodyPr>
+          <a:lstStyle/>
+          <a:p>
+            <a:r>
+              <a:rPr lang="zh-TW" altLang="en-US" b="1" dirty="0" smtClean="0">
+                <a:solidFill>
+                  <a:schemeClr val="accent5">
+                    <a:lumMod val="75000"/>
+                  </a:schemeClr>
+                </a:solidFill>
+                <a:latin typeface="微軟正黑體" panose="020B0604030504040204" pitchFamily="34" charset="-120"/>
+                <a:ea typeface="微軟正黑體" panose="020B0604030504040204" pitchFamily="34" charset="-120"/>
+              </a:rPr>
+              <a:t>點選可以查看不同訂單狀態</a:t>
+            </a:r>
+            <a:endParaRPr lang="zh-TW" altLang="en-US" b="1" dirty="0">
+              <a:solidFill>
+                <a:schemeClr val="accent5">
+                  <a:lumMod val="75000"/>
+                </a:schemeClr>
+              </a:solidFill>
+              <a:latin typeface="微軟正黑體" panose="020B0604030504040204" pitchFamily="34" charset="-120"/>
+              <a:ea typeface="微軟正黑體" panose="020B0604030504040204" pitchFamily="34" charset="-120"/>
+            </a:endParaRPr>
           </a:p>
         </p:txBody>
       </p:sp>
     </p:spTree>
     <p:extLst>
       <p:ext uri="{BB962C8B-B14F-4D97-AF65-F5344CB8AC3E}">
-        <p14:creationId xmlns:p14="http://schemas.microsoft.com/office/powerpoint/2010/main" val="3964507506"/>
+        <p14:creationId xmlns:p14="http://schemas.microsoft.com/office/powerpoint/2010/main" val="3283339573"/>
       </p:ext>
     </p:extLst>
   </p:cSld>
@@ -6659,6 +6365,1950 @@
 </file>
 
 <file path=ppt/slides/slide4.xml><?xml version="1.0" encoding="utf-8"?>
+<p:sld xmlns:a="http://schemas.openxmlformats.org/drawingml/2006/main" xmlns:r="http://schemas.openxmlformats.org/officeDocument/2006/relationships" xmlns:p="http://schemas.openxmlformats.org/presentationml/2006/main">
+  <p:cSld>
+    <p:spTree>
+      <p:nvGrpSpPr>
+        <p:cNvPr id="1" name=""/>
+        <p:cNvGrpSpPr/>
+        <p:nvPr/>
+      </p:nvGrpSpPr>
+      <p:grpSpPr>
+        <a:xfrm>
+          <a:off x="0" y="0"/>
+          <a:ext cx="0" cy="0"/>
+          <a:chOff x="0" y="0"/>
+          <a:chExt cx="0" cy="0"/>
+        </a:xfrm>
+      </p:grpSpPr>
+      <p:pic>
+        <p:nvPicPr>
+          <p:cNvPr id="2" name="圖片 1"/>
+          <p:cNvPicPr>
+            <a:picLocks noChangeAspect="1"/>
+          </p:cNvPicPr>
+          <p:nvPr/>
+        </p:nvPicPr>
+        <p:blipFill>
+          <a:blip r:embed="rId2"/>
+          <a:stretch>
+            <a:fillRect/>
+          </a:stretch>
+        </p:blipFill>
+        <p:spPr>
+          <a:xfrm>
+            <a:off x="143950" y="1148828"/>
+            <a:ext cx="12048050" cy="5565480"/>
+          </a:xfrm>
+          <a:prstGeom prst="rect">
+            <a:avLst/>
+          </a:prstGeom>
+        </p:spPr>
+      </p:pic>
+      <p:sp>
+        <p:nvSpPr>
+          <p:cNvPr id="7" name="圓角矩形 6"/>
+          <p:cNvSpPr/>
+          <p:nvPr/>
+        </p:nvSpPr>
+        <p:spPr>
+          <a:xfrm>
+            <a:off x="65572" y="1148828"/>
+            <a:ext cx="809897" cy="5525589"/>
+          </a:xfrm>
+          <a:prstGeom prst="roundRect">
+            <a:avLst/>
+          </a:prstGeom>
+          <a:noFill/>
+          <a:ln w="38100">
+            <a:solidFill>
+              <a:schemeClr val="accent5">
+                <a:lumMod val="75000"/>
+              </a:schemeClr>
+            </a:solidFill>
+          </a:ln>
+        </p:spPr>
+        <p:style>
+          <a:lnRef idx="2">
+            <a:schemeClr val="accent1">
+              <a:shade val="50000"/>
+            </a:schemeClr>
+          </a:lnRef>
+          <a:fillRef idx="1">
+            <a:schemeClr val="accent1"/>
+          </a:fillRef>
+          <a:effectRef idx="0">
+            <a:schemeClr val="accent1"/>
+          </a:effectRef>
+          <a:fontRef idx="minor">
+            <a:schemeClr val="lt1"/>
+          </a:fontRef>
+        </p:style>
+        <p:txBody>
+          <a:bodyPr rtlCol="0" anchor="ctr"/>
+          <a:lstStyle/>
+          <a:p>
+            <a:pPr algn="ctr"/>
+            <a:endParaRPr lang="zh-TW" altLang="en-US"/>
+          </a:p>
+        </p:txBody>
+      </p:sp>
+      <p:sp>
+        <p:nvSpPr>
+          <p:cNvPr id="9" name="圓角矩形 8"/>
+          <p:cNvSpPr/>
+          <p:nvPr/>
+        </p:nvSpPr>
+        <p:spPr>
+          <a:xfrm>
+            <a:off x="8264589" y="3226174"/>
+            <a:ext cx="3792428" cy="914752"/>
+          </a:xfrm>
+          <a:prstGeom prst="roundRect">
+            <a:avLst/>
+          </a:prstGeom>
+          <a:noFill/>
+          <a:ln w="38100">
+            <a:solidFill>
+              <a:schemeClr val="accent5">
+                <a:lumMod val="75000"/>
+              </a:schemeClr>
+            </a:solidFill>
+          </a:ln>
+        </p:spPr>
+        <p:style>
+          <a:lnRef idx="2">
+            <a:schemeClr val="accent1">
+              <a:shade val="50000"/>
+            </a:schemeClr>
+          </a:lnRef>
+          <a:fillRef idx="1">
+            <a:schemeClr val="accent1"/>
+          </a:fillRef>
+          <a:effectRef idx="0">
+            <a:schemeClr val="accent1"/>
+          </a:effectRef>
+          <a:fontRef idx="minor">
+            <a:schemeClr val="lt1"/>
+          </a:fontRef>
+        </p:style>
+        <p:txBody>
+          <a:bodyPr rtlCol="0" anchor="ctr"/>
+          <a:lstStyle/>
+          <a:p>
+            <a:pPr algn="ctr"/>
+            <a:endParaRPr lang="zh-TW" altLang="en-US"/>
+          </a:p>
+        </p:txBody>
+      </p:sp>
+      <p:sp>
+        <p:nvSpPr>
+          <p:cNvPr id="10" name="圓角矩形 9"/>
+          <p:cNvSpPr/>
+          <p:nvPr/>
+        </p:nvSpPr>
+        <p:spPr>
+          <a:xfrm>
+            <a:off x="917107" y="3226173"/>
+            <a:ext cx="2453110" cy="1625515"/>
+          </a:xfrm>
+          <a:prstGeom prst="roundRect">
+            <a:avLst/>
+          </a:prstGeom>
+          <a:noFill/>
+          <a:ln w="38100">
+            <a:solidFill>
+              <a:schemeClr val="accent5">
+                <a:lumMod val="75000"/>
+              </a:schemeClr>
+            </a:solidFill>
+          </a:ln>
+        </p:spPr>
+        <p:style>
+          <a:lnRef idx="2">
+            <a:schemeClr val="accent1">
+              <a:shade val="50000"/>
+            </a:schemeClr>
+          </a:lnRef>
+          <a:fillRef idx="1">
+            <a:schemeClr val="accent1"/>
+          </a:fillRef>
+          <a:effectRef idx="0">
+            <a:schemeClr val="accent1"/>
+          </a:effectRef>
+          <a:fontRef idx="minor">
+            <a:schemeClr val="lt1"/>
+          </a:fontRef>
+        </p:style>
+        <p:txBody>
+          <a:bodyPr rtlCol="0" anchor="ctr"/>
+          <a:lstStyle/>
+          <a:p>
+            <a:pPr algn="ctr"/>
+            <a:endParaRPr lang="zh-TW" altLang="en-US"/>
+          </a:p>
+        </p:txBody>
+      </p:sp>
+      <p:sp>
+        <p:nvSpPr>
+          <p:cNvPr id="11" name="文字方塊 10"/>
+          <p:cNvSpPr txBox="1"/>
+          <p:nvPr/>
+        </p:nvSpPr>
+        <p:spPr>
+          <a:xfrm>
+            <a:off x="9385813" y="3726956"/>
+            <a:ext cx="2492990" cy="369332"/>
+          </a:xfrm>
+          <a:prstGeom prst="rect">
+            <a:avLst/>
+          </a:prstGeom>
+          <a:noFill/>
+        </p:spPr>
+        <p:txBody>
+          <a:bodyPr wrap="none" rtlCol="0">
+            <a:spAutoFit/>
+          </a:bodyPr>
+          <a:lstStyle/>
+          <a:p>
+            <a:r>
+              <a:rPr lang="zh-TW" altLang="en-US" b="1" dirty="0" smtClean="0">
+                <a:solidFill>
+                  <a:schemeClr val="accent5">
+                    <a:lumMod val="75000"/>
+                  </a:schemeClr>
+                </a:solidFill>
+                <a:latin typeface="微軟正黑體" panose="020B0604030504040204" pitchFamily="34" charset="-120"/>
+                <a:ea typeface="微軟正黑體" panose="020B0604030504040204" pitchFamily="34" charset="-120"/>
+              </a:rPr>
+              <a:t>點選可以單品出餐完成</a:t>
+            </a:r>
+            <a:endParaRPr lang="zh-TW" altLang="en-US" b="1" dirty="0">
+              <a:solidFill>
+                <a:schemeClr val="accent5">
+                  <a:lumMod val="75000"/>
+                </a:schemeClr>
+              </a:solidFill>
+              <a:latin typeface="微軟正黑體" panose="020B0604030504040204" pitchFamily="34" charset="-120"/>
+              <a:ea typeface="微軟正黑體" panose="020B0604030504040204" pitchFamily="34" charset="-120"/>
+            </a:endParaRPr>
+          </a:p>
+        </p:txBody>
+      </p:sp>
+      <p:sp>
+        <p:nvSpPr>
+          <p:cNvPr id="12" name="文字方塊 11"/>
+          <p:cNvSpPr txBox="1"/>
+          <p:nvPr/>
+        </p:nvSpPr>
+        <p:spPr>
+          <a:xfrm>
+            <a:off x="1700749" y="4321327"/>
+            <a:ext cx="1569660" cy="369332"/>
+          </a:xfrm>
+          <a:prstGeom prst="rect">
+            <a:avLst/>
+          </a:prstGeom>
+          <a:noFill/>
+        </p:spPr>
+        <p:txBody>
+          <a:bodyPr wrap="none" rtlCol="0">
+            <a:spAutoFit/>
+          </a:bodyPr>
+          <a:lstStyle/>
+          <a:p>
+            <a:r>
+              <a:rPr lang="zh-TW" altLang="en-US" b="1" dirty="0" smtClean="0">
+                <a:solidFill>
+                  <a:schemeClr val="accent5">
+                    <a:lumMod val="75000"/>
+                  </a:schemeClr>
+                </a:solidFill>
+                <a:latin typeface="微軟正黑體" panose="020B0604030504040204" pitchFamily="34" charset="-120"/>
+                <a:ea typeface="微軟正黑體" panose="020B0604030504040204" pitchFamily="34" charset="-120"/>
+              </a:rPr>
+              <a:t>待出餐為紅色</a:t>
+            </a:r>
+            <a:endParaRPr lang="zh-TW" altLang="en-US" b="1" dirty="0">
+              <a:solidFill>
+                <a:schemeClr val="accent5">
+                  <a:lumMod val="75000"/>
+                </a:schemeClr>
+              </a:solidFill>
+              <a:latin typeface="微軟正黑體" panose="020B0604030504040204" pitchFamily="34" charset="-120"/>
+              <a:ea typeface="微軟正黑體" panose="020B0604030504040204" pitchFamily="34" charset="-120"/>
+            </a:endParaRPr>
+          </a:p>
+        </p:txBody>
+      </p:sp>
+      <p:sp>
+        <p:nvSpPr>
+          <p:cNvPr id="13" name="文字方塊 12"/>
+          <p:cNvSpPr txBox="1"/>
+          <p:nvPr/>
+        </p:nvSpPr>
+        <p:spPr>
+          <a:xfrm>
+            <a:off x="315754" y="381439"/>
+            <a:ext cx="2954655" cy="369332"/>
+          </a:xfrm>
+          <a:prstGeom prst="rect">
+            <a:avLst/>
+          </a:prstGeom>
+          <a:noFill/>
+        </p:spPr>
+        <p:txBody>
+          <a:bodyPr wrap="none" rtlCol="0">
+            <a:spAutoFit/>
+          </a:bodyPr>
+          <a:lstStyle/>
+          <a:p>
+            <a:r>
+              <a:rPr lang="zh-TW" altLang="en-US" b="1" dirty="0" smtClean="0">
+                <a:solidFill>
+                  <a:schemeClr val="accent5">
+                    <a:lumMod val="75000"/>
+                  </a:schemeClr>
+                </a:solidFill>
+                <a:latin typeface="微軟正黑體" panose="020B0604030504040204" pitchFamily="34" charset="-120"/>
+                <a:ea typeface="微軟正黑體" panose="020B0604030504040204" pitchFamily="34" charset="-120"/>
+              </a:rPr>
+              <a:t>點選可以查看不同訂單狀態</a:t>
+            </a:r>
+            <a:endParaRPr lang="zh-TW" altLang="en-US" b="1" dirty="0">
+              <a:solidFill>
+                <a:schemeClr val="accent5">
+                  <a:lumMod val="75000"/>
+                </a:schemeClr>
+              </a:solidFill>
+              <a:latin typeface="微軟正黑體" panose="020B0604030504040204" pitchFamily="34" charset="-120"/>
+              <a:ea typeface="微軟正黑體" panose="020B0604030504040204" pitchFamily="34" charset="-120"/>
+            </a:endParaRPr>
+          </a:p>
+        </p:txBody>
+      </p:sp>
+      <p:sp>
+        <p:nvSpPr>
+          <p:cNvPr id="14" name="圓角矩形 13"/>
+          <p:cNvSpPr/>
+          <p:nvPr/>
+        </p:nvSpPr>
+        <p:spPr>
+          <a:xfrm>
+            <a:off x="7871579" y="260353"/>
+            <a:ext cx="4007224" cy="779929"/>
+          </a:xfrm>
+          <a:prstGeom prst="roundRect">
+            <a:avLst/>
+          </a:prstGeom>
+          <a:ln>
+            <a:noFill/>
+          </a:ln>
+        </p:spPr>
+        <p:style>
+          <a:lnRef idx="2">
+            <a:schemeClr val="accent4">
+              <a:shade val="50000"/>
+            </a:schemeClr>
+          </a:lnRef>
+          <a:fillRef idx="1">
+            <a:schemeClr val="accent4"/>
+          </a:fillRef>
+          <a:effectRef idx="0">
+            <a:schemeClr val="accent4"/>
+          </a:effectRef>
+          <a:fontRef idx="minor">
+            <a:schemeClr val="lt1"/>
+          </a:fontRef>
+        </p:style>
+        <p:txBody>
+          <a:bodyPr rtlCol="0" anchor="ctr"/>
+          <a:lstStyle/>
+          <a:p>
+            <a:pPr algn="ctr"/>
+            <a:r>
+              <a:rPr lang="zh-TW" altLang="en-US" sz="3200" b="1" dirty="0" smtClean="0">
+                <a:solidFill>
+                  <a:schemeClr val="tx1"/>
+                </a:solidFill>
+                <a:latin typeface="微軟正黑體" panose="020B0604030504040204" pitchFamily="34" charset="-120"/>
+                <a:ea typeface="微軟正黑體" panose="020B0604030504040204" pitchFamily="34" charset="-120"/>
+              </a:rPr>
+              <a:t>櫃台端</a:t>
+            </a:r>
+            <a:endParaRPr lang="zh-TW" altLang="en-US" sz="3200" b="1" dirty="0">
+              <a:solidFill>
+                <a:schemeClr val="tx1"/>
+              </a:solidFill>
+              <a:latin typeface="微軟正黑體" panose="020B0604030504040204" pitchFamily="34" charset="-120"/>
+              <a:ea typeface="微軟正黑體" panose="020B0604030504040204" pitchFamily="34" charset="-120"/>
+            </a:endParaRPr>
+          </a:p>
+        </p:txBody>
+      </p:sp>
+      <p:sp>
+        <p:nvSpPr>
+          <p:cNvPr id="15" name="圓角矩形 14"/>
+          <p:cNvSpPr/>
+          <p:nvPr/>
+        </p:nvSpPr>
+        <p:spPr>
+          <a:xfrm>
+            <a:off x="9618772" y="6218271"/>
+            <a:ext cx="2438245" cy="543311"/>
+          </a:xfrm>
+          <a:prstGeom prst="roundRect">
+            <a:avLst/>
+          </a:prstGeom>
+          <a:noFill/>
+          <a:ln w="38100">
+            <a:solidFill>
+              <a:schemeClr val="accent5">
+                <a:lumMod val="75000"/>
+              </a:schemeClr>
+            </a:solidFill>
+          </a:ln>
+        </p:spPr>
+        <p:style>
+          <a:lnRef idx="2">
+            <a:schemeClr val="accent1">
+              <a:shade val="50000"/>
+            </a:schemeClr>
+          </a:lnRef>
+          <a:fillRef idx="1">
+            <a:schemeClr val="accent1"/>
+          </a:fillRef>
+          <a:effectRef idx="0">
+            <a:schemeClr val="accent1"/>
+          </a:effectRef>
+          <a:fontRef idx="minor">
+            <a:schemeClr val="lt1"/>
+          </a:fontRef>
+        </p:style>
+        <p:txBody>
+          <a:bodyPr rtlCol="0" anchor="ctr"/>
+          <a:lstStyle/>
+          <a:p>
+            <a:pPr algn="ctr"/>
+            <a:endParaRPr lang="zh-TW" altLang="en-US"/>
+          </a:p>
+        </p:txBody>
+      </p:sp>
+      <p:sp>
+        <p:nvSpPr>
+          <p:cNvPr id="16" name="文字方塊 15"/>
+          <p:cNvSpPr txBox="1"/>
+          <p:nvPr/>
+        </p:nvSpPr>
+        <p:spPr>
+          <a:xfrm>
+            <a:off x="9847478" y="5801665"/>
+            <a:ext cx="1569660" cy="369332"/>
+          </a:xfrm>
+          <a:prstGeom prst="rect">
+            <a:avLst/>
+          </a:prstGeom>
+          <a:noFill/>
+        </p:spPr>
+        <p:txBody>
+          <a:bodyPr wrap="none" rtlCol="0">
+            <a:spAutoFit/>
+          </a:bodyPr>
+          <a:lstStyle/>
+          <a:p>
+            <a:r>
+              <a:rPr lang="zh-TW" altLang="en-US" b="1" dirty="0" smtClean="0">
+                <a:solidFill>
+                  <a:schemeClr val="accent5">
+                    <a:lumMod val="75000"/>
+                  </a:schemeClr>
+                </a:solidFill>
+                <a:latin typeface="微軟正黑體" panose="020B0604030504040204" pitchFamily="34" charset="-120"/>
+                <a:ea typeface="微軟正黑體" panose="020B0604030504040204" pitchFamily="34" charset="-120"/>
+              </a:rPr>
+              <a:t>點選可以結帳</a:t>
+            </a:r>
+            <a:endParaRPr lang="zh-TW" altLang="en-US" b="1" dirty="0">
+              <a:solidFill>
+                <a:schemeClr val="accent5">
+                  <a:lumMod val="75000"/>
+                </a:schemeClr>
+              </a:solidFill>
+              <a:latin typeface="微軟正黑體" panose="020B0604030504040204" pitchFamily="34" charset="-120"/>
+              <a:ea typeface="微軟正黑體" panose="020B0604030504040204" pitchFamily="34" charset="-120"/>
+            </a:endParaRPr>
+          </a:p>
+        </p:txBody>
+      </p:sp>
+      <p:sp>
+        <p:nvSpPr>
+          <p:cNvPr id="17" name="圓角矩形 16"/>
+          <p:cNvSpPr/>
+          <p:nvPr/>
+        </p:nvSpPr>
+        <p:spPr>
+          <a:xfrm>
+            <a:off x="5704527" y="1706527"/>
+            <a:ext cx="2453110" cy="1625515"/>
+          </a:xfrm>
+          <a:prstGeom prst="roundRect">
+            <a:avLst/>
+          </a:prstGeom>
+          <a:noFill/>
+          <a:ln w="38100">
+            <a:solidFill>
+              <a:schemeClr val="accent5">
+                <a:lumMod val="75000"/>
+              </a:schemeClr>
+            </a:solidFill>
+          </a:ln>
+        </p:spPr>
+        <p:style>
+          <a:lnRef idx="2">
+            <a:schemeClr val="accent1">
+              <a:shade val="50000"/>
+            </a:schemeClr>
+          </a:lnRef>
+          <a:fillRef idx="1">
+            <a:schemeClr val="accent1"/>
+          </a:fillRef>
+          <a:effectRef idx="0">
+            <a:schemeClr val="accent1"/>
+          </a:effectRef>
+          <a:fontRef idx="minor">
+            <a:schemeClr val="lt1"/>
+          </a:fontRef>
+        </p:style>
+        <p:txBody>
+          <a:bodyPr rtlCol="0" anchor="ctr"/>
+          <a:lstStyle/>
+          <a:p>
+            <a:pPr algn="ctr"/>
+            <a:endParaRPr lang="zh-TW" altLang="en-US"/>
+          </a:p>
+        </p:txBody>
+      </p:sp>
+      <p:sp>
+        <p:nvSpPr>
+          <p:cNvPr id="18" name="文字方塊 17"/>
+          <p:cNvSpPr txBox="1"/>
+          <p:nvPr/>
+        </p:nvSpPr>
+        <p:spPr>
+          <a:xfrm>
+            <a:off x="6357144" y="2801681"/>
+            <a:ext cx="1800493" cy="369332"/>
+          </a:xfrm>
+          <a:prstGeom prst="rect">
+            <a:avLst/>
+          </a:prstGeom>
+          <a:noFill/>
+        </p:spPr>
+        <p:txBody>
+          <a:bodyPr wrap="none" rtlCol="0">
+            <a:spAutoFit/>
+          </a:bodyPr>
+          <a:lstStyle/>
+          <a:p>
+            <a:r>
+              <a:rPr lang="zh-TW" altLang="en-US" b="1" dirty="0" smtClean="0">
+                <a:solidFill>
+                  <a:schemeClr val="accent5">
+                    <a:lumMod val="75000"/>
+                  </a:schemeClr>
+                </a:solidFill>
+                <a:latin typeface="微軟正黑體" panose="020B0604030504040204" pitchFamily="34" charset="-120"/>
+                <a:ea typeface="微軟正黑體" panose="020B0604030504040204" pitchFamily="34" charset="-120"/>
+              </a:rPr>
+              <a:t>準備</a:t>
+            </a:r>
+            <a:r>
+              <a:rPr lang="zh-TW" altLang="en-US" b="1" dirty="0">
+                <a:solidFill>
+                  <a:schemeClr val="accent5">
+                    <a:lumMod val="75000"/>
+                  </a:schemeClr>
+                </a:solidFill>
+                <a:latin typeface="微軟正黑體" panose="020B0604030504040204" pitchFamily="34" charset="-120"/>
+                <a:ea typeface="微軟正黑體" panose="020B0604030504040204" pitchFamily="34" charset="-120"/>
+              </a:rPr>
+              <a:t>中</a:t>
+            </a:r>
+            <a:r>
+              <a:rPr lang="zh-TW" altLang="en-US" b="1" dirty="0" smtClean="0">
+                <a:solidFill>
+                  <a:schemeClr val="accent5">
+                    <a:lumMod val="75000"/>
+                  </a:schemeClr>
+                </a:solidFill>
+                <a:latin typeface="微軟正黑體" panose="020B0604030504040204" pitchFamily="34" charset="-120"/>
+                <a:ea typeface="微軟正黑體" panose="020B0604030504040204" pitchFamily="34" charset="-120"/>
+              </a:rPr>
+              <a:t>為藍綠色</a:t>
+            </a:r>
+            <a:endParaRPr lang="zh-TW" altLang="en-US" b="1" dirty="0">
+              <a:solidFill>
+                <a:schemeClr val="accent5">
+                  <a:lumMod val="75000"/>
+                </a:schemeClr>
+              </a:solidFill>
+              <a:latin typeface="微軟正黑體" panose="020B0604030504040204" pitchFamily="34" charset="-120"/>
+              <a:ea typeface="微軟正黑體" panose="020B0604030504040204" pitchFamily="34" charset="-120"/>
+            </a:endParaRPr>
+          </a:p>
+        </p:txBody>
+      </p:sp>
+      <p:sp>
+        <p:nvSpPr>
+          <p:cNvPr id="19" name="圓角矩形 18"/>
+          <p:cNvSpPr/>
+          <p:nvPr/>
+        </p:nvSpPr>
+        <p:spPr>
+          <a:xfrm>
+            <a:off x="5661139" y="4851688"/>
+            <a:ext cx="2453110" cy="1625515"/>
+          </a:xfrm>
+          <a:prstGeom prst="roundRect">
+            <a:avLst/>
+          </a:prstGeom>
+          <a:noFill/>
+          <a:ln w="38100">
+            <a:solidFill>
+              <a:schemeClr val="accent5">
+                <a:lumMod val="75000"/>
+              </a:schemeClr>
+            </a:solidFill>
+          </a:ln>
+        </p:spPr>
+        <p:style>
+          <a:lnRef idx="2">
+            <a:schemeClr val="accent1">
+              <a:shade val="50000"/>
+            </a:schemeClr>
+          </a:lnRef>
+          <a:fillRef idx="1">
+            <a:schemeClr val="accent1"/>
+          </a:fillRef>
+          <a:effectRef idx="0">
+            <a:schemeClr val="accent1"/>
+          </a:effectRef>
+          <a:fontRef idx="minor">
+            <a:schemeClr val="lt1"/>
+          </a:fontRef>
+        </p:style>
+        <p:txBody>
+          <a:bodyPr rtlCol="0" anchor="ctr"/>
+          <a:lstStyle/>
+          <a:p>
+            <a:pPr algn="ctr"/>
+            <a:endParaRPr lang="zh-TW" altLang="en-US"/>
+          </a:p>
+        </p:txBody>
+      </p:sp>
+      <p:sp>
+        <p:nvSpPr>
+          <p:cNvPr id="20" name="文字方塊 19"/>
+          <p:cNvSpPr txBox="1"/>
+          <p:nvPr/>
+        </p:nvSpPr>
+        <p:spPr>
+          <a:xfrm>
+            <a:off x="6313756" y="5946842"/>
+            <a:ext cx="1569660" cy="369332"/>
+          </a:xfrm>
+          <a:prstGeom prst="rect">
+            <a:avLst/>
+          </a:prstGeom>
+          <a:noFill/>
+        </p:spPr>
+        <p:txBody>
+          <a:bodyPr wrap="none" rtlCol="0">
+            <a:spAutoFit/>
+          </a:bodyPr>
+          <a:lstStyle/>
+          <a:p>
+            <a:r>
+              <a:rPr lang="zh-TW" altLang="en-US" b="1" dirty="0" smtClean="0">
+                <a:solidFill>
+                  <a:schemeClr val="accent5">
+                    <a:lumMod val="75000"/>
+                  </a:schemeClr>
+                </a:solidFill>
+                <a:latin typeface="微軟正黑體" panose="020B0604030504040204" pitchFamily="34" charset="-120"/>
+                <a:ea typeface="微軟正黑體" panose="020B0604030504040204" pitchFamily="34" charset="-120"/>
+              </a:rPr>
+              <a:t>待結</a:t>
+            </a:r>
+            <a:r>
+              <a:rPr lang="zh-TW" altLang="en-US" b="1" dirty="0">
+                <a:solidFill>
+                  <a:schemeClr val="accent5">
+                    <a:lumMod val="75000"/>
+                  </a:schemeClr>
+                </a:solidFill>
+                <a:latin typeface="微軟正黑體" panose="020B0604030504040204" pitchFamily="34" charset="-120"/>
+                <a:ea typeface="微軟正黑體" panose="020B0604030504040204" pitchFamily="34" charset="-120"/>
+              </a:rPr>
+              <a:t>帳</a:t>
+            </a:r>
+            <a:r>
+              <a:rPr lang="zh-TW" altLang="en-US" b="1" dirty="0" smtClean="0">
+                <a:solidFill>
+                  <a:schemeClr val="accent5">
+                    <a:lumMod val="75000"/>
+                  </a:schemeClr>
+                </a:solidFill>
+                <a:latin typeface="微軟正黑體" panose="020B0604030504040204" pitchFamily="34" charset="-120"/>
+                <a:ea typeface="微軟正黑體" panose="020B0604030504040204" pitchFamily="34" charset="-120"/>
+              </a:rPr>
+              <a:t>為綠色</a:t>
+            </a:r>
+            <a:endParaRPr lang="zh-TW" altLang="en-US" b="1" dirty="0">
+              <a:solidFill>
+                <a:schemeClr val="accent5">
+                  <a:lumMod val="75000"/>
+                </a:schemeClr>
+              </a:solidFill>
+              <a:latin typeface="微軟正黑體" panose="020B0604030504040204" pitchFamily="34" charset="-120"/>
+              <a:ea typeface="微軟正黑體" panose="020B0604030504040204" pitchFamily="34" charset="-120"/>
+            </a:endParaRPr>
+          </a:p>
+        </p:txBody>
+      </p:sp>
+      <p:sp>
+        <p:nvSpPr>
+          <p:cNvPr id="21" name="圓角矩形 20"/>
+          <p:cNvSpPr/>
+          <p:nvPr/>
+        </p:nvSpPr>
+        <p:spPr>
+          <a:xfrm>
+            <a:off x="1424151" y="1113682"/>
+            <a:ext cx="6348249" cy="431816"/>
+          </a:xfrm>
+          <a:prstGeom prst="roundRect">
+            <a:avLst/>
+          </a:prstGeom>
+          <a:noFill/>
+          <a:ln w="38100">
+            <a:solidFill>
+              <a:schemeClr val="accent5">
+                <a:lumMod val="75000"/>
+              </a:schemeClr>
+            </a:solidFill>
+          </a:ln>
+        </p:spPr>
+        <p:style>
+          <a:lnRef idx="2">
+            <a:schemeClr val="accent1">
+              <a:shade val="50000"/>
+            </a:schemeClr>
+          </a:lnRef>
+          <a:fillRef idx="1">
+            <a:schemeClr val="accent1"/>
+          </a:fillRef>
+          <a:effectRef idx="0">
+            <a:schemeClr val="accent1"/>
+          </a:effectRef>
+          <a:fontRef idx="minor">
+            <a:schemeClr val="lt1"/>
+          </a:fontRef>
+        </p:style>
+        <p:txBody>
+          <a:bodyPr rtlCol="0" anchor="ctr"/>
+          <a:lstStyle/>
+          <a:p>
+            <a:pPr algn="ctr"/>
+            <a:endParaRPr lang="zh-TW" altLang="en-US"/>
+          </a:p>
+        </p:txBody>
+      </p:sp>
+      <p:cxnSp>
+        <p:nvCxnSpPr>
+          <p:cNvPr id="5" name="弧形接點 4"/>
+          <p:cNvCxnSpPr/>
+          <p:nvPr/>
+        </p:nvCxnSpPr>
+        <p:spPr>
+          <a:xfrm rot="5400000">
+            <a:off x="476976" y="785737"/>
+            <a:ext cx="352334" cy="156754"/>
+          </a:xfrm>
+          <a:prstGeom prst="curvedConnector3">
+            <a:avLst/>
+          </a:prstGeom>
+          <a:ln w="28575">
+            <a:tailEnd type="triangle"/>
+          </a:ln>
+        </p:spPr>
+        <p:style>
+          <a:lnRef idx="1">
+            <a:schemeClr val="accent1"/>
+          </a:lnRef>
+          <a:fillRef idx="0">
+            <a:schemeClr val="accent1"/>
+          </a:fillRef>
+          <a:effectRef idx="0">
+            <a:schemeClr val="accent1"/>
+          </a:effectRef>
+          <a:fontRef idx="minor">
+            <a:schemeClr val="tx1"/>
+          </a:fontRef>
+        </p:style>
+      </p:cxnSp>
+      <p:cxnSp>
+        <p:nvCxnSpPr>
+          <p:cNvPr id="22" name="弧形接點 21"/>
+          <p:cNvCxnSpPr/>
+          <p:nvPr/>
+        </p:nvCxnSpPr>
+        <p:spPr>
+          <a:xfrm>
+            <a:off x="2143662" y="750771"/>
+            <a:ext cx="341917" cy="289511"/>
+          </a:xfrm>
+          <a:prstGeom prst="curvedConnector3">
+            <a:avLst/>
+          </a:prstGeom>
+          <a:ln w="28575">
+            <a:tailEnd type="triangle"/>
+          </a:ln>
+        </p:spPr>
+        <p:style>
+          <a:lnRef idx="1">
+            <a:schemeClr val="accent1"/>
+          </a:lnRef>
+          <a:fillRef idx="0">
+            <a:schemeClr val="accent1"/>
+          </a:fillRef>
+          <a:effectRef idx="0">
+            <a:schemeClr val="accent1"/>
+          </a:effectRef>
+          <a:fontRef idx="minor">
+            <a:schemeClr val="tx1"/>
+          </a:fontRef>
+        </p:style>
+      </p:cxnSp>
+    </p:spTree>
+    <p:extLst>
+      <p:ext uri="{BB962C8B-B14F-4D97-AF65-F5344CB8AC3E}">
+        <p14:creationId xmlns:p14="http://schemas.microsoft.com/office/powerpoint/2010/main" val="2227452612"/>
+      </p:ext>
+    </p:extLst>
+  </p:cSld>
+  <p:clrMapOvr>
+    <a:masterClrMapping/>
+  </p:clrMapOvr>
+</p:sld>
+</file>
+
+<file path=ppt/slides/slide5.xml><?xml version="1.0" encoding="utf-8"?>
+<p:sld xmlns:a="http://schemas.openxmlformats.org/drawingml/2006/main" xmlns:r="http://schemas.openxmlformats.org/officeDocument/2006/relationships" xmlns:p="http://schemas.openxmlformats.org/presentationml/2006/main">
+  <p:cSld>
+    <p:spTree>
+      <p:nvGrpSpPr>
+        <p:cNvPr id="1" name=""/>
+        <p:cNvGrpSpPr/>
+        <p:nvPr/>
+      </p:nvGrpSpPr>
+      <p:grpSpPr>
+        <a:xfrm>
+          <a:off x="0" y="0"/>
+          <a:ext cx="0" cy="0"/>
+          <a:chOff x="0" y="0"/>
+          <a:chExt cx="0" cy="0"/>
+        </a:xfrm>
+      </p:grpSpPr>
+      <p:sp>
+        <p:nvSpPr>
+          <p:cNvPr id="5" name="圓角矩形 4"/>
+          <p:cNvSpPr/>
+          <p:nvPr/>
+        </p:nvSpPr>
+        <p:spPr>
+          <a:xfrm>
+            <a:off x="1358152" y="820271"/>
+            <a:ext cx="4007224" cy="779929"/>
+          </a:xfrm>
+          <a:prstGeom prst="roundRect">
+            <a:avLst/>
+          </a:prstGeom>
+          <a:ln>
+            <a:noFill/>
+          </a:ln>
+        </p:spPr>
+        <p:style>
+          <a:lnRef idx="2">
+            <a:schemeClr val="accent4">
+              <a:shade val="50000"/>
+            </a:schemeClr>
+          </a:lnRef>
+          <a:fillRef idx="1">
+            <a:schemeClr val="accent4"/>
+          </a:fillRef>
+          <a:effectRef idx="0">
+            <a:schemeClr val="accent4"/>
+          </a:effectRef>
+          <a:fontRef idx="minor">
+            <a:schemeClr val="lt1"/>
+          </a:fontRef>
+        </p:style>
+        <p:txBody>
+          <a:bodyPr rtlCol="0" anchor="ctr"/>
+          <a:lstStyle/>
+          <a:p>
+            <a:pPr algn="ctr"/>
+            <a:r>
+              <a:rPr lang="zh-TW" altLang="en-US" sz="3200" b="1" dirty="0" smtClean="0">
+                <a:solidFill>
+                  <a:schemeClr val="tx1"/>
+                </a:solidFill>
+                <a:latin typeface="微軟正黑體" panose="020B0604030504040204" pitchFamily="34" charset="-120"/>
+                <a:ea typeface="微軟正黑體" panose="020B0604030504040204" pitchFamily="34" charset="-120"/>
+              </a:rPr>
+              <a:t>櫃台端</a:t>
+            </a:r>
+            <a:endParaRPr lang="zh-TW" altLang="en-US" sz="3200" b="1" dirty="0">
+              <a:solidFill>
+                <a:schemeClr val="tx1"/>
+              </a:solidFill>
+              <a:latin typeface="微軟正黑體" panose="020B0604030504040204" pitchFamily="34" charset="-120"/>
+              <a:ea typeface="微軟正黑體" panose="020B0604030504040204" pitchFamily="34" charset="-120"/>
+            </a:endParaRPr>
+          </a:p>
+        </p:txBody>
+      </p:sp>
+      <p:sp>
+        <p:nvSpPr>
+          <p:cNvPr id="6" name="圓角矩形 5"/>
+          <p:cNvSpPr/>
+          <p:nvPr/>
+        </p:nvSpPr>
+        <p:spPr>
+          <a:xfrm>
+            <a:off x="6875929" y="820271"/>
+            <a:ext cx="4007224" cy="779929"/>
+          </a:xfrm>
+          <a:prstGeom prst="roundRect">
+            <a:avLst/>
+          </a:prstGeom>
+          <a:ln>
+            <a:noFill/>
+          </a:ln>
+        </p:spPr>
+        <p:style>
+          <a:lnRef idx="2">
+            <a:schemeClr val="accent4">
+              <a:shade val="50000"/>
+            </a:schemeClr>
+          </a:lnRef>
+          <a:fillRef idx="1">
+            <a:schemeClr val="accent4"/>
+          </a:fillRef>
+          <a:effectRef idx="0">
+            <a:schemeClr val="accent4"/>
+          </a:effectRef>
+          <a:fontRef idx="minor">
+            <a:schemeClr val="lt1"/>
+          </a:fontRef>
+        </p:style>
+        <p:txBody>
+          <a:bodyPr rtlCol="0" anchor="ctr"/>
+          <a:lstStyle/>
+          <a:p>
+            <a:pPr algn="ctr"/>
+            <a:r>
+              <a:rPr lang="zh-TW" altLang="en-US" sz="3200" b="1" dirty="0">
+                <a:solidFill>
+                  <a:schemeClr val="tx1"/>
+                </a:solidFill>
+                <a:latin typeface="微軟正黑體" panose="020B0604030504040204" pitchFamily="34" charset="-120"/>
+                <a:ea typeface="微軟正黑體" panose="020B0604030504040204" pitchFamily="34" charset="-120"/>
+              </a:rPr>
+              <a:t>廚房</a:t>
+            </a:r>
+            <a:r>
+              <a:rPr lang="zh-TW" altLang="en-US" sz="3200" b="1" dirty="0" smtClean="0">
+                <a:solidFill>
+                  <a:schemeClr val="tx1"/>
+                </a:solidFill>
+                <a:latin typeface="微軟正黑體" panose="020B0604030504040204" pitchFamily="34" charset="-120"/>
+                <a:ea typeface="微軟正黑體" panose="020B0604030504040204" pitchFamily="34" charset="-120"/>
+              </a:rPr>
+              <a:t>端</a:t>
+            </a:r>
+            <a:endParaRPr lang="zh-TW" altLang="en-US" sz="3200" b="1" dirty="0">
+              <a:solidFill>
+                <a:schemeClr val="tx1"/>
+              </a:solidFill>
+              <a:latin typeface="微軟正黑體" panose="020B0604030504040204" pitchFamily="34" charset="-120"/>
+              <a:ea typeface="微軟正黑體" panose="020B0604030504040204" pitchFamily="34" charset="-120"/>
+            </a:endParaRPr>
+          </a:p>
+        </p:txBody>
+      </p:sp>
+      <p:sp>
+        <p:nvSpPr>
+          <p:cNvPr id="7" name="圓角矩形 6"/>
+          <p:cNvSpPr/>
+          <p:nvPr/>
+        </p:nvSpPr>
+        <p:spPr>
+          <a:xfrm>
+            <a:off x="995083" y="1734672"/>
+            <a:ext cx="1210236" cy="712694"/>
+          </a:xfrm>
+          <a:prstGeom prst="roundRect">
+            <a:avLst/>
+          </a:prstGeom>
+          <a:solidFill>
+            <a:schemeClr val="accent6">
+              <a:lumMod val="40000"/>
+              <a:lumOff val="60000"/>
+            </a:schemeClr>
+          </a:solidFill>
+          <a:ln>
+            <a:noFill/>
+          </a:ln>
+        </p:spPr>
+        <p:style>
+          <a:lnRef idx="2">
+            <a:schemeClr val="accent1">
+              <a:shade val="50000"/>
+            </a:schemeClr>
+          </a:lnRef>
+          <a:fillRef idx="1">
+            <a:schemeClr val="accent1"/>
+          </a:fillRef>
+          <a:effectRef idx="0">
+            <a:schemeClr val="accent1"/>
+          </a:effectRef>
+          <a:fontRef idx="minor">
+            <a:schemeClr val="lt1"/>
+          </a:fontRef>
+        </p:style>
+        <p:txBody>
+          <a:bodyPr rtlCol="0" anchor="ctr"/>
+          <a:lstStyle/>
+          <a:p>
+            <a:pPr algn="ctr"/>
+            <a:r>
+              <a:rPr lang="zh-TW" altLang="en-US" sz="2000" b="1" dirty="0" smtClean="0">
+                <a:solidFill>
+                  <a:schemeClr val="tx1"/>
+                </a:solidFill>
+                <a:latin typeface="微軟正黑體" panose="020B0604030504040204" pitchFamily="34" charset="-120"/>
+                <a:ea typeface="微軟正黑體" panose="020B0604030504040204" pitchFamily="34" charset="-120"/>
+              </a:rPr>
+              <a:t>準備中</a:t>
+            </a:r>
+            <a:endParaRPr lang="zh-TW" altLang="en-US" sz="2000" b="1" dirty="0">
+              <a:solidFill>
+                <a:schemeClr val="tx1"/>
+              </a:solidFill>
+              <a:latin typeface="微軟正黑體" panose="020B0604030504040204" pitchFamily="34" charset="-120"/>
+              <a:ea typeface="微軟正黑體" panose="020B0604030504040204" pitchFamily="34" charset="-120"/>
+            </a:endParaRPr>
+          </a:p>
+        </p:txBody>
+      </p:sp>
+      <p:sp>
+        <p:nvSpPr>
+          <p:cNvPr id="8" name="圓角矩形 7"/>
+          <p:cNvSpPr/>
+          <p:nvPr/>
+        </p:nvSpPr>
+        <p:spPr>
+          <a:xfrm>
+            <a:off x="995083" y="2761132"/>
+            <a:ext cx="1210236" cy="712694"/>
+          </a:xfrm>
+          <a:prstGeom prst="roundRect">
+            <a:avLst/>
+          </a:prstGeom>
+          <a:solidFill>
+            <a:schemeClr val="accent6">
+              <a:lumMod val="40000"/>
+              <a:lumOff val="60000"/>
+            </a:schemeClr>
+          </a:solidFill>
+          <a:ln>
+            <a:noFill/>
+          </a:ln>
+        </p:spPr>
+        <p:style>
+          <a:lnRef idx="2">
+            <a:schemeClr val="accent1">
+              <a:shade val="50000"/>
+            </a:schemeClr>
+          </a:lnRef>
+          <a:fillRef idx="1">
+            <a:schemeClr val="accent1"/>
+          </a:fillRef>
+          <a:effectRef idx="0">
+            <a:schemeClr val="accent1"/>
+          </a:effectRef>
+          <a:fontRef idx="minor">
+            <a:schemeClr val="lt1"/>
+          </a:fontRef>
+        </p:style>
+        <p:txBody>
+          <a:bodyPr rtlCol="0" anchor="ctr"/>
+          <a:lstStyle/>
+          <a:p>
+            <a:pPr algn="ctr"/>
+            <a:r>
+              <a:rPr lang="zh-TW" altLang="en-US" sz="2000" b="1" dirty="0" smtClean="0">
+                <a:solidFill>
+                  <a:schemeClr val="tx1"/>
+                </a:solidFill>
+                <a:latin typeface="微軟正黑體" panose="020B0604030504040204" pitchFamily="34" charset="-120"/>
+                <a:ea typeface="微軟正黑體" panose="020B0604030504040204" pitchFamily="34" charset="-120"/>
+              </a:rPr>
+              <a:t>待出</a:t>
+            </a:r>
+            <a:r>
+              <a:rPr lang="zh-TW" altLang="en-US" sz="2000" b="1" dirty="0">
+                <a:solidFill>
+                  <a:schemeClr val="tx1"/>
+                </a:solidFill>
+                <a:latin typeface="微軟正黑體" panose="020B0604030504040204" pitchFamily="34" charset="-120"/>
+                <a:ea typeface="微軟正黑體" panose="020B0604030504040204" pitchFamily="34" charset="-120"/>
+              </a:rPr>
+              <a:t>餐</a:t>
+            </a:r>
+          </a:p>
+        </p:txBody>
+      </p:sp>
+      <p:sp>
+        <p:nvSpPr>
+          <p:cNvPr id="9" name="圓角矩形 8"/>
+          <p:cNvSpPr/>
+          <p:nvPr/>
+        </p:nvSpPr>
+        <p:spPr>
+          <a:xfrm>
+            <a:off x="995083" y="3774146"/>
+            <a:ext cx="1210236" cy="712694"/>
+          </a:xfrm>
+          <a:prstGeom prst="roundRect">
+            <a:avLst/>
+          </a:prstGeom>
+          <a:solidFill>
+            <a:schemeClr val="accent6">
+              <a:lumMod val="40000"/>
+              <a:lumOff val="60000"/>
+            </a:schemeClr>
+          </a:solidFill>
+          <a:ln>
+            <a:noFill/>
+          </a:ln>
+        </p:spPr>
+        <p:style>
+          <a:lnRef idx="2">
+            <a:schemeClr val="accent1">
+              <a:shade val="50000"/>
+            </a:schemeClr>
+          </a:lnRef>
+          <a:fillRef idx="1">
+            <a:schemeClr val="accent1"/>
+          </a:fillRef>
+          <a:effectRef idx="0">
+            <a:schemeClr val="accent1"/>
+          </a:effectRef>
+          <a:fontRef idx="minor">
+            <a:schemeClr val="lt1"/>
+          </a:fontRef>
+        </p:style>
+        <p:txBody>
+          <a:bodyPr rtlCol="0" anchor="ctr"/>
+          <a:lstStyle/>
+          <a:p>
+            <a:pPr algn="ctr"/>
+            <a:r>
+              <a:rPr lang="zh-TW" altLang="en-US" sz="2000" b="1" dirty="0" smtClean="0">
+                <a:solidFill>
+                  <a:schemeClr val="tx1"/>
+                </a:solidFill>
+                <a:latin typeface="微軟正黑體" panose="020B0604030504040204" pitchFamily="34" charset="-120"/>
+                <a:ea typeface="微軟正黑體" panose="020B0604030504040204" pitchFamily="34" charset="-120"/>
+              </a:rPr>
+              <a:t>待收款</a:t>
+            </a:r>
+            <a:endParaRPr lang="zh-TW" altLang="en-US" sz="2000" b="1" dirty="0">
+              <a:solidFill>
+                <a:schemeClr val="tx1"/>
+              </a:solidFill>
+              <a:latin typeface="微軟正黑體" panose="020B0604030504040204" pitchFamily="34" charset="-120"/>
+              <a:ea typeface="微軟正黑體" panose="020B0604030504040204" pitchFamily="34" charset="-120"/>
+            </a:endParaRPr>
+          </a:p>
+        </p:txBody>
+      </p:sp>
+      <p:sp>
+        <p:nvSpPr>
+          <p:cNvPr id="10" name="文字方塊 9"/>
+          <p:cNvSpPr txBox="1"/>
+          <p:nvPr/>
+        </p:nvSpPr>
+        <p:spPr>
+          <a:xfrm>
+            <a:off x="2326343" y="1860186"/>
+            <a:ext cx="3877985" cy="461665"/>
+          </a:xfrm>
+          <a:prstGeom prst="rect">
+            <a:avLst/>
+          </a:prstGeom>
+          <a:noFill/>
+        </p:spPr>
+        <p:txBody>
+          <a:bodyPr wrap="none" rtlCol="0">
+            <a:spAutoFit/>
+          </a:bodyPr>
+          <a:lstStyle/>
+          <a:p>
+            <a:r>
+              <a:rPr lang="zh-TW" altLang="en-US" sz="2400" b="1" dirty="0" smtClean="0">
+                <a:latin typeface="微軟正黑體" panose="020B0604030504040204" pitchFamily="34" charset="-120"/>
+                <a:ea typeface="微軟正黑體" panose="020B0604030504040204" pitchFamily="34" charset="-120"/>
+              </a:rPr>
+              <a:t>尚有餐點未製作完成的訂單</a:t>
+            </a:r>
+            <a:endParaRPr lang="en-US" altLang="zh-TW" sz="2400" b="1" dirty="0" smtClean="0">
+              <a:latin typeface="微軟正黑體" panose="020B0604030504040204" pitchFamily="34" charset="-120"/>
+              <a:ea typeface="微軟正黑體" panose="020B0604030504040204" pitchFamily="34" charset="-120"/>
+            </a:endParaRPr>
+          </a:p>
+        </p:txBody>
+      </p:sp>
+      <p:sp>
+        <p:nvSpPr>
+          <p:cNvPr id="11" name="文字方塊 10"/>
+          <p:cNvSpPr txBox="1"/>
+          <p:nvPr/>
+        </p:nvSpPr>
+        <p:spPr>
+          <a:xfrm>
+            <a:off x="2326343" y="2726633"/>
+            <a:ext cx="3570208" cy="830997"/>
+          </a:xfrm>
+          <a:prstGeom prst="rect">
+            <a:avLst/>
+          </a:prstGeom>
+          <a:noFill/>
+        </p:spPr>
+        <p:txBody>
+          <a:bodyPr wrap="none" rtlCol="0">
+            <a:spAutoFit/>
+          </a:bodyPr>
+          <a:lstStyle/>
+          <a:p>
+            <a:r>
+              <a:rPr lang="zh-TW" altLang="en-US" sz="2400" b="1" dirty="0" smtClean="0">
+                <a:latin typeface="微軟正黑體" panose="020B0604030504040204" pitchFamily="34" charset="-120"/>
+                <a:ea typeface="微軟正黑體" panose="020B0604030504040204" pitchFamily="34" charset="-120"/>
+              </a:rPr>
+              <a:t>全數或</a:t>
+            </a:r>
+            <a:r>
+              <a:rPr lang="zh-TW" altLang="en-US" sz="2400" b="1" dirty="0">
+                <a:latin typeface="微軟正黑體" panose="020B0604030504040204" pitchFamily="34" charset="-120"/>
+                <a:ea typeface="微軟正黑體" panose="020B0604030504040204" pitchFamily="34" charset="-120"/>
+              </a:rPr>
+              <a:t>部分</a:t>
+            </a:r>
+            <a:r>
+              <a:rPr lang="zh-TW" altLang="en-US" sz="2400" b="1" dirty="0" smtClean="0">
+                <a:latin typeface="微軟正黑體" panose="020B0604030504040204" pitchFamily="34" charset="-120"/>
+                <a:ea typeface="微軟正黑體" panose="020B0604030504040204" pitchFamily="34" charset="-120"/>
+              </a:rPr>
+              <a:t>餐點完成製作</a:t>
+            </a:r>
+            <a:endParaRPr lang="en-US" altLang="zh-TW" sz="2400" b="1" dirty="0" smtClean="0">
+              <a:latin typeface="微軟正黑體" panose="020B0604030504040204" pitchFamily="34" charset="-120"/>
+              <a:ea typeface="微軟正黑體" panose="020B0604030504040204" pitchFamily="34" charset="-120"/>
+            </a:endParaRPr>
+          </a:p>
+          <a:p>
+            <a:r>
+              <a:rPr lang="zh-TW" altLang="en-US" sz="2400" b="1" dirty="0" smtClean="0">
+                <a:latin typeface="微軟正黑體" panose="020B0604030504040204" pitchFamily="34" charset="-120"/>
+                <a:ea typeface="微軟正黑體" panose="020B0604030504040204" pitchFamily="34" charset="-120"/>
+              </a:rPr>
+              <a:t>但尚未送餐的訂單</a:t>
+            </a:r>
+            <a:endParaRPr lang="en-US" altLang="zh-TW" sz="2400" b="1" dirty="0" smtClean="0">
+              <a:latin typeface="微軟正黑體" panose="020B0604030504040204" pitchFamily="34" charset="-120"/>
+              <a:ea typeface="微軟正黑體" panose="020B0604030504040204" pitchFamily="34" charset="-120"/>
+            </a:endParaRPr>
+          </a:p>
+        </p:txBody>
+      </p:sp>
+      <p:sp>
+        <p:nvSpPr>
+          <p:cNvPr id="12" name="文字方塊 11"/>
+          <p:cNvSpPr txBox="1"/>
+          <p:nvPr/>
+        </p:nvSpPr>
+        <p:spPr>
+          <a:xfrm>
+            <a:off x="2326343" y="3775524"/>
+            <a:ext cx="4185761" cy="830997"/>
+          </a:xfrm>
+          <a:prstGeom prst="rect">
+            <a:avLst/>
+          </a:prstGeom>
+          <a:noFill/>
+        </p:spPr>
+        <p:txBody>
+          <a:bodyPr wrap="none" rtlCol="0">
+            <a:spAutoFit/>
+          </a:bodyPr>
+          <a:lstStyle/>
+          <a:p>
+            <a:r>
+              <a:rPr lang="zh-TW" altLang="en-US" sz="2400" b="1" dirty="0" smtClean="0">
+                <a:latin typeface="微軟正黑體" panose="020B0604030504040204" pitchFamily="34" charset="-120"/>
+                <a:ea typeface="微軟正黑體" panose="020B0604030504040204" pitchFamily="34" charset="-120"/>
+              </a:rPr>
+              <a:t>全數餐點製作完成、送餐完成</a:t>
+            </a:r>
+            <a:endParaRPr lang="en-US" altLang="zh-TW" sz="2400" b="1" dirty="0" smtClean="0">
+              <a:latin typeface="微軟正黑體" panose="020B0604030504040204" pitchFamily="34" charset="-120"/>
+              <a:ea typeface="微軟正黑體" panose="020B0604030504040204" pitchFamily="34" charset="-120"/>
+            </a:endParaRPr>
+          </a:p>
+          <a:p>
+            <a:r>
+              <a:rPr lang="zh-TW" altLang="en-US" sz="2400" b="1" dirty="0" smtClean="0">
+                <a:latin typeface="微軟正黑體" panose="020B0604030504040204" pitchFamily="34" charset="-120"/>
+                <a:ea typeface="微軟正黑體" panose="020B0604030504040204" pitchFamily="34" charset="-120"/>
+              </a:rPr>
+              <a:t>但尚未</a:t>
+            </a:r>
+            <a:r>
+              <a:rPr lang="zh-TW" altLang="en-US" sz="2400" b="1" dirty="0">
+                <a:latin typeface="微軟正黑體" panose="020B0604030504040204" pitchFamily="34" charset="-120"/>
+                <a:ea typeface="微軟正黑體" panose="020B0604030504040204" pitchFamily="34" charset="-120"/>
+              </a:rPr>
+              <a:t>結帳</a:t>
+            </a:r>
+            <a:r>
+              <a:rPr lang="zh-TW" altLang="en-US" sz="2400" b="1" dirty="0" smtClean="0">
+                <a:latin typeface="微軟正黑體" panose="020B0604030504040204" pitchFamily="34" charset="-120"/>
+                <a:ea typeface="微軟正黑體" panose="020B0604030504040204" pitchFamily="34" charset="-120"/>
+              </a:rPr>
+              <a:t>的訂單</a:t>
+            </a:r>
+            <a:endParaRPr lang="en-US" altLang="zh-TW" sz="2400" b="1" dirty="0" smtClean="0">
+              <a:latin typeface="微軟正黑體" panose="020B0604030504040204" pitchFamily="34" charset="-120"/>
+              <a:ea typeface="微軟正黑體" panose="020B0604030504040204" pitchFamily="34" charset="-120"/>
+            </a:endParaRPr>
+          </a:p>
+        </p:txBody>
+      </p:sp>
+      <p:sp>
+        <p:nvSpPr>
+          <p:cNvPr id="13" name="圓角矩形 12"/>
+          <p:cNvSpPr/>
+          <p:nvPr/>
+        </p:nvSpPr>
+        <p:spPr>
+          <a:xfrm>
+            <a:off x="995083" y="4787160"/>
+            <a:ext cx="1210236" cy="712694"/>
+          </a:xfrm>
+          <a:prstGeom prst="roundRect">
+            <a:avLst/>
+          </a:prstGeom>
+          <a:solidFill>
+            <a:schemeClr val="accent6">
+              <a:lumMod val="40000"/>
+              <a:lumOff val="60000"/>
+            </a:schemeClr>
+          </a:solidFill>
+          <a:ln>
+            <a:noFill/>
+          </a:ln>
+        </p:spPr>
+        <p:style>
+          <a:lnRef idx="2">
+            <a:schemeClr val="accent1">
+              <a:shade val="50000"/>
+            </a:schemeClr>
+          </a:lnRef>
+          <a:fillRef idx="1">
+            <a:schemeClr val="accent1"/>
+          </a:fillRef>
+          <a:effectRef idx="0">
+            <a:schemeClr val="accent1"/>
+          </a:effectRef>
+          <a:fontRef idx="minor">
+            <a:schemeClr val="lt1"/>
+          </a:fontRef>
+        </p:style>
+        <p:txBody>
+          <a:bodyPr rtlCol="0" anchor="ctr"/>
+          <a:lstStyle/>
+          <a:p>
+            <a:pPr algn="ctr"/>
+            <a:r>
+              <a:rPr lang="zh-TW" altLang="en-US" sz="2000" b="1" dirty="0">
+                <a:solidFill>
+                  <a:schemeClr val="tx1"/>
+                </a:solidFill>
+                <a:latin typeface="微軟正黑體" panose="020B0604030504040204" pitchFamily="34" charset="-120"/>
+                <a:ea typeface="微軟正黑體" panose="020B0604030504040204" pitchFamily="34" charset="-120"/>
+              </a:rPr>
+              <a:t>已</a:t>
+            </a:r>
+            <a:r>
+              <a:rPr lang="zh-TW" altLang="en-US" sz="2000" b="1" dirty="0" smtClean="0">
+                <a:solidFill>
+                  <a:schemeClr val="tx1"/>
+                </a:solidFill>
+                <a:latin typeface="微軟正黑體" panose="020B0604030504040204" pitchFamily="34" charset="-120"/>
+                <a:ea typeface="微軟正黑體" panose="020B0604030504040204" pitchFamily="34" charset="-120"/>
+              </a:rPr>
+              <a:t>收款</a:t>
+            </a:r>
+            <a:endParaRPr lang="zh-TW" altLang="en-US" sz="2000" b="1" dirty="0">
+              <a:solidFill>
+                <a:schemeClr val="tx1"/>
+              </a:solidFill>
+              <a:latin typeface="微軟正黑體" panose="020B0604030504040204" pitchFamily="34" charset="-120"/>
+              <a:ea typeface="微軟正黑體" panose="020B0604030504040204" pitchFamily="34" charset="-120"/>
+            </a:endParaRPr>
+          </a:p>
+        </p:txBody>
+      </p:sp>
+      <p:sp>
+        <p:nvSpPr>
+          <p:cNvPr id="14" name="圓角矩形 13"/>
+          <p:cNvSpPr/>
+          <p:nvPr/>
+        </p:nvSpPr>
+        <p:spPr>
+          <a:xfrm>
+            <a:off x="995083" y="5800174"/>
+            <a:ext cx="1210236" cy="712694"/>
+          </a:xfrm>
+          <a:prstGeom prst="roundRect">
+            <a:avLst/>
+          </a:prstGeom>
+          <a:solidFill>
+            <a:schemeClr val="accent6">
+              <a:lumMod val="40000"/>
+              <a:lumOff val="60000"/>
+            </a:schemeClr>
+          </a:solidFill>
+          <a:ln>
+            <a:noFill/>
+          </a:ln>
+        </p:spPr>
+        <p:style>
+          <a:lnRef idx="2">
+            <a:schemeClr val="accent1">
+              <a:shade val="50000"/>
+            </a:schemeClr>
+          </a:lnRef>
+          <a:fillRef idx="1">
+            <a:schemeClr val="accent1"/>
+          </a:fillRef>
+          <a:effectRef idx="0">
+            <a:schemeClr val="accent1"/>
+          </a:effectRef>
+          <a:fontRef idx="minor">
+            <a:schemeClr val="lt1"/>
+          </a:fontRef>
+        </p:style>
+        <p:txBody>
+          <a:bodyPr rtlCol="0" anchor="ctr"/>
+          <a:lstStyle/>
+          <a:p>
+            <a:pPr algn="ctr"/>
+            <a:r>
+              <a:rPr lang="zh-TW" altLang="en-US" sz="2000" b="1" dirty="0" smtClean="0">
+                <a:solidFill>
+                  <a:schemeClr val="tx1"/>
+                </a:solidFill>
+                <a:latin typeface="微軟正黑體" panose="020B0604030504040204" pitchFamily="34" charset="-120"/>
+                <a:ea typeface="微軟正黑體" panose="020B0604030504040204" pitchFamily="34" charset="-120"/>
+              </a:rPr>
+              <a:t>已取</a:t>
+            </a:r>
+            <a:r>
+              <a:rPr lang="zh-TW" altLang="en-US" sz="2000" b="1" dirty="0">
+                <a:solidFill>
+                  <a:schemeClr val="tx1"/>
+                </a:solidFill>
+                <a:latin typeface="微軟正黑體" panose="020B0604030504040204" pitchFamily="34" charset="-120"/>
+                <a:ea typeface="微軟正黑體" panose="020B0604030504040204" pitchFamily="34" charset="-120"/>
+              </a:rPr>
+              <a:t>消</a:t>
+            </a:r>
+          </a:p>
+        </p:txBody>
+      </p:sp>
+      <p:sp>
+        <p:nvSpPr>
+          <p:cNvPr id="15" name="文字方塊 14"/>
+          <p:cNvSpPr txBox="1"/>
+          <p:nvPr/>
+        </p:nvSpPr>
+        <p:spPr>
+          <a:xfrm>
+            <a:off x="2326343" y="4912674"/>
+            <a:ext cx="2646878" cy="461665"/>
+          </a:xfrm>
+          <a:prstGeom prst="rect">
+            <a:avLst/>
+          </a:prstGeom>
+          <a:noFill/>
+        </p:spPr>
+        <p:txBody>
+          <a:bodyPr wrap="none" rtlCol="0">
+            <a:spAutoFit/>
+          </a:bodyPr>
+          <a:lstStyle/>
+          <a:p>
+            <a:r>
+              <a:rPr lang="zh-TW" altLang="en-US" sz="2400" b="1" dirty="0" smtClean="0">
+                <a:latin typeface="微軟正黑體" panose="020B0604030504040204" pitchFamily="34" charset="-120"/>
+                <a:ea typeface="微軟正黑體" panose="020B0604030504040204" pitchFamily="34" charset="-120"/>
+              </a:rPr>
+              <a:t>已完成結帳的訂單</a:t>
+            </a:r>
+            <a:endParaRPr lang="en-US" altLang="zh-TW" sz="2400" b="1" dirty="0" smtClean="0">
+              <a:latin typeface="微軟正黑體" panose="020B0604030504040204" pitchFamily="34" charset="-120"/>
+              <a:ea typeface="微軟正黑體" panose="020B0604030504040204" pitchFamily="34" charset="-120"/>
+            </a:endParaRPr>
+          </a:p>
+        </p:txBody>
+      </p:sp>
+      <p:sp>
+        <p:nvSpPr>
+          <p:cNvPr id="16" name="文字方塊 15"/>
+          <p:cNvSpPr txBox="1"/>
+          <p:nvPr/>
+        </p:nvSpPr>
+        <p:spPr>
+          <a:xfrm>
+            <a:off x="2322990" y="5925688"/>
+            <a:ext cx="2031325" cy="461665"/>
+          </a:xfrm>
+          <a:prstGeom prst="rect">
+            <a:avLst/>
+          </a:prstGeom>
+          <a:noFill/>
+        </p:spPr>
+        <p:txBody>
+          <a:bodyPr wrap="none" rtlCol="0">
+            <a:spAutoFit/>
+          </a:bodyPr>
+          <a:lstStyle/>
+          <a:p>
+            <a:r>
+              <a:rPr lang="zh-TW" altLang="en-US" sz="2400" b="1" dirty="0" smtClean="0">
+                <a:latin typeface="微軟正黑體" panose="020B0604030504040204" pitchFamily="34" charset="-120"/>
+                <a:ea typeface="微軟正黑體" panose="020B0604030504040204" pitchFamily="34" charset="-120"/>
+              </a:rPr>
+              <a:t>已取消的訂單</a:t>
+            </a:r>
+            <a:endParaRPr lang="en-US" altLang="zh-TW" sz="2400" b="1" dirty="0" smtClean="0">
+              <a:latin typeface="微軟正黑體" panose="020B0604030504040204" pitchFamily="34" charset="-120"/>
+              <a:ea typeface="微軟正黑體" panose="020B0604030504040204" pitchFamily="34" charset="-120"/>
+            </a:endParaRPr>
+          </a:p>
+        </p:txBody>
+      </p:sp>
+      <p:sp>
+        <p:nvSpPr>
+          <p:cNvPr id="17" name="圓角矩形 16"/>
+          <p:cNvSpPr/>
+          <p:nvPr/>
+        </p:nvSpPr>
+        <p:spPr>
+          <a:xfrm>
+            <a:off x="6768354" y="1854353"/>
+            <a:ext cx="1210236" cy="712694"/>
+          </a:xfrm>
+          <a:prstGeom prst="roundRect">
+            <a:avLst/>
+          </a:prstGeom>
+          <a:solidFill>
+            <a:schemeClr val="accent6">
+              <a:lumMod val="40000"/>
+              <a:lumOff val="60000"/>
+            </a:schemeClr>
+          </a:solidFill>
+          <a:ln>
+            <a:noFill/>
+          </a:ln>
+        </p:spPr>
+        <p:style>
+          <a:lnRef idx="2">
+            <a:schemeClr val="accent1">
+              <a:shade val="50000"/>
+            </a:schemeClr>
+          </a:lnRef>
+          <a:fillRef idx="1">
+            <a:schemeClr val="accent1"/>
+          </a:fillRef>
+          <a:effectRef idx="0">
+            <a:schemeClr val="accent1"/>
+          </a:effectRef>
+          <a:fontRef idx="minor">
+            <a:schemeClr val="lt1"/>
+          </a:fontRef>
+        </p:style>
+        <p:txBody>
+          <a:bodyPr rtlCol="0" anchor="ctr"/>
+          <a:lstStyle/>
+          <a:p>
+            <a:pPr algn="ctr"/>
+            <a:r>
+              <a:rPr lang="zh-TW" altLang="en-US" sz="2000" b="1" dirty="0" smtClean="0">
+                <a:solidFill>
+                  <a:schemeClr val="tx1"/>
+                </a:solidFill>
+                <a:latin typeface="微軟正黑體" panose="020B0604030504040204" pitchFamily="34" charset="-120"/>
+                <a:ea typeface="微軟正黑體" panose="020B0604030504040204" pitchFamily="34" charset="-120"/>
+              </a:rPr>
+              <a:t>外帶</a:t>
+            </a:r>
+            <a:r>
+              <a:rPr lang="en-US" altLang="zh-TW" sz="2000" b="1" dirty="0" smtClean="0">
+                <a:solidFill>
+                  <a:schemeClr val="tx1"/>
+                </a:solidFill>
+                <a:latin typeface="微軟正黑體" panose="020B0604030504040204" pitchFamily="34" charset="-120"/>
+                <a:ea typeface="微軟正黑體" panose="020B0604030504040204" pitchFamily="34" charset="-120"/>
+              </a:rPr>
+              <a:t>/</a:t>
+            </a:r>
+          </a:p>
+          <a:p>
+            <a:pPr algn="ctr"/>
+            <a:r>
+              <a:rPr lang="zh-TW" altLang="en-US" sz="2000" b="1" dirty="0" smtClean="0">
+                <a:solidFill>
+                  <a:schemeClr val="tx1"/>
+                </a:solidFill>
+                <a:latin typeface="微軟正黑體" panose="020B0604030504040204" pitchFamily="34" charset="-120"/>
+                <a:ea typeface="微軟正黑體" panose="020B0604030504040204" pitchFamily="34" charset="-120"/>
+              </a:rPr>
+              <a:t>內</a:t>
+            </a:r>
+            <a:r>
+              <a:rPr lang="zh-TW" altLang="en-US" sz="2000" b="1" dirty="0">
+                <a:solidFill>
+                  <a:schemeClr val="tx1"/>
+                </a:solidFill>
+                <a:latin typeface="微軟正黑體" panose="020B0604030504040204" pitchFamily="34" charset="-120"/>
+                <a:ea typeface="微軟正黑體" panose="020B0604030504040204" pitchFamily="34" charset="-120"/>
+              </a:rPr>
+              <a:t>用</a:t>
+            </a:r>
+          </a:p>
+        </p:txBody>
+      </p:sp>
+      <p:sp>
+        <p:nvSpPr>
+          <p:cNvPr id="18" name="文字方塊 17"/>
+          <p:cNvSpPr txBox="1"/>
+          <p:nvPr/>
+        </p:nvSpPr>
+        <p:spPr>
+          <a:xfrm>
+            <a:off x="8072720" y="1795201"/>
+            <a:ext cx="3262432" cy="830997"/>
+          </a:xfrm>
+          <a:prstGeom prst="rect">
+            <a:avLst/>
+          </a:prstGeom>
+          <a:noFill/>
+        </p:spPr>
+        <p:txBody>
+          <a:bodyPr wrap="none" rtlCol="0">
+            <a:spAutoFit/>
+          </a:bodyPr>
+          <a:lstStyle/>
+          <a:p>
+            <a:r>
+              <a:rPr lang="zh-TW" altLang="en-US" sz="2400" b="1" dirty="0" smtClean="0">
+                <a:latin typeface="微軟正黑體" panose="020B0604030504040204" pitchFamily="34" charset="-120"/>
+                <a:ea typeface="微軟正黑體" panose="020B0604030504040204" pitchFamily="34" charset="-120"/>
+              </a:rPr>
+              <a:t>尚有餐點未製作完成的</a:t>
+            </a:r>
+            <a:endParaRPr lang="en-US" altLang="zh-TW" sz="2400" b="1" dirty="0" smtClean="0">
+              <a:latin typeface="微軟正黑體" panose="020B0604030504040204" pitchFamily="34" charset="-120"/>
+              <a:ea typeface="微軟正黑體" panose="020B0604030504040204" pitchFamily="34" charset="-120"/>
+            </a:endParaRPr>
+          </a:p>
+          <a:p>
+            <a:r>
+              <a:rPr lang="zh-TW" altLang="en-US" sz="2400" b="1" dirty="0" smtClean="0">
+                <a:latin typeface="微軟正黑體" panose="020B0604030504040204" pitchFamily="34" charset="-120"/>
+                <a:ea typeface="微軟正黑體" panose="020B0604030504040204" pitchFamily="34" charset="-120"/>
+              </a:rPr>
+              <a:t>外帶</a:t>
+            </a:r>
+            <a:r>
+              <a:rPr lang="en-US" altLang="zh-TW" sz="2400" b="1" dirty="0" smtClean="0">
+                <a:latin typeface="微軟正黑體" panose="020B0604030504040204" pitchFamily="34" charset="-120"/>
+                <a:ea typeface="微軟正黑體" panose="020B0604030504040204" pitchFamily="34" charset="-120"/>
+              </a:rPr>
+              <a:t>/</a:t>
+            </a:r>
+            <a:r>
+              <a:rPr lang="zh-TW" altLang="en-US" sz="2400" b="1" dirty="0" smtClean="0">
+                <a:latin typeface="微軟正黑體" panose="020B0604030504040204" pitchFamily="34" charset="-120"/>
+                <a:ea typeface="微軟正黑體" panose="020B0604030504040204" pitchFamily="34" charset="-120"/>
+              </a:rPr>
+              <a:t>內用訂單</a:t>
+            </a:r>
+            <a:endParaRPr lang="en-US" altLang="zh-TW" sz="2400" b="1" dirty="0" smtClean="0">
+              <a:latin typeface="微軟正黑體" panose="020B0604030504040204" pitchFamily="34" charset="-120"/>
+              <a:ea typeface="微軟正黑體" panose="020B0604030504040204" pitchFamily="34" charset="-120"/>
+            </a:endParaRPr>
+          </a:p>
+        </p:txBody>
+      </p:sp>
+      <p:sp>
+        <p:nvSpPr>
+          <p:cNvPr id="19" name="圓角矩形 18"/>
+          <p:cNvSpPr/>
+          <p:nvPr/>
+        </p:nvSpPr>
+        <p:spPr>
+          <a:xfrm>
+            <a:off x="6768354" y="3201283"/>
+            <a:ext cx="1210236" cy="712694"/>
+          </a:xfrm>
+          <a:prstGeom prst="roundRect">
+            <a:avLst/>
+          </a:prstGeom>
+          <a:solidFill>
+            <a:schemeClr val="accent6">
+              <a:lumMod val="40000"/>
+              <a:lumOff val="60000"/>
+            </a:schemeClr>
+          </a:solidFill>
+          <a:ln>
+            <a:noFill/>
+          </a:ln>
+        </p:spPr>
+        <p:style>
+          <a:lnRef idx="2">
+            <a:schemeClr val="accent1">
+              <a:shade val="50000"/>
+            </a:schemeClr>
+          </a:lnRef>
+          <a:fillRef idx="1">
+            <a:schemeClr val="accent1"/>
+          </a:fillRef>
+          <a:effectRef idx="0">
+            <a:schemeClr val="accent1"/>
+          </a:effectRef>
+          <a:fontRef idx="minor">
+            <a:schemeClr val="lt1"/>
+          </a:fontRef>
+        </p:style>
+        <p:txBody>
+          <a:bodyPr rtlCol="0" anchor="ctr"/>
+          <a:lstStyle/>
+          <a:p>
+            <a:pPr algn="ctr"/>
+            <a:r>
+              <a:rPr lang="zh-TW" altLang="en-US" sz="2000" b="1" dirty="0" smtClean="0">
+                <a:solidFill>
+                  <a:schemeClr val="tx1"/>
+                </a:solidFill>
+                <a:latin typeface="微軟正黑體" panose="020B0604030504040204" pitchFamily="34" charset="-120"/>
+                <a:ea typeface="微軟正黑體" panose="020B0604030504040204" pitchFamily="34" charset="-120"/>
+              </a:rPr>
+              <a:t>大單</a:t>
+            </a:r>
+            <a:endParaRPr lang="zh-TW" altLang="en-US" sz="2000" b="1" dirty="0">
+              <a:solidFill>
+                <a:schemeClr val="tx1"/>
+              </a:solidFill>
+              <a:latin typeface="微軟正黑體" panose="020B0604030504040204" pitchFamily="34" charset="-120"/>
+              <a:ea typeface="微軟正黑體" panose="020B0604030504040204" pitchFamily="34" charset="-120"/>
+            </a:endParaRPr>
+          </a:p>
+        </p:txBody>
+      </p:sp>
+      <p:sp>
+        <p:nvSpPr>
+          <p:cNvPr id="20" name="文字方塊 19"/>
+          <p:cNvSpPr txBox="1"/>
+          <p:nvPr/>
+        </p:nvSpPr>
+        <p:spPr>
+          <a:xfrm>
+            <a:off x="8072720" y="3146616"/>
+            <a:ext cx="3877985" cy="830997"/>
+          </a:xfrm>
+          <a:prstGeom prst="rect">
+            <a:avLst/>
+          </a:prstGeom>
+          <a:noFill/>
+        </p:spPr>
+        <p:txBody>
+          <a:bodyPr wrap="none" rtlCol="0">
+            <a:spAutoFit/>
+          </a:bodyPr>
+          <a:lstStyle/>
+          <a:p>
+            <a:r>
+              <a:rPr lang="zh-TW" altLang="en-US" sz="2400" b="1" dirty="0" smtClean="0">
+                <a:latin typeface="微軟正黑體" panose="020B0604030504040204" pitchFamily="34" charset="-120"/>
+                <a:ea typeface="微軟正黑體" panose="020B0604030504040204" pitchFamily="34" charset="-120"/>
+              </a:rPr>
+              <a:t>大於老闆預設值、尚未製作</a:t>
+            </a:r>
+            <a:endParaRPr lang="en-US" altLang="zh-TW" sz="2400" b="1" dirty="0" smtClean="0">
+              <a:latin typeface="微軟正黑體" panose="020B0604030504040204" pitchFamily="34" charset="-120"/>
+              <a:ea typeface="微軟正黑體" panose="020B0604030504040204" pitchFamily="34" charset="-120"/>
+            </a:endParaRPr>
+          </a:p>
+          <a:p>
+            <a:r>
+              <a:rPr lang="zh-TW" altLang="en-US" sz="2400" b="1" dirty="0" smtClean="0">
+                <a:latin typeface="微軟正黑體" panose="020B0604030504040204" pitchFamily="34" charset="-120"/>
+                <a:ea typeface="微軟正黑體" panose="020B0604030504040204" pitchFamily="34" charset="-120"/>
+              </a:rPr>
+              <a:t>的訂單</a:t>
+            </a:r>
+            <a:endParaRPr lang="en-US" altLang="zh-TW" sz="2400" b="1" dirty="0" smtClean="0">
+              <a:latin typeface="微軟正黑體" panose="020B0604030504040204" pitchFamily="34" charset="-120"/>
+              <a:ea typeface="微軟正黑體" panose="020B0604030504040204" pitchFamily="34" charset="-120"/>
+            </a:endParaRPr>
+          </a:p>
+        </p:txBody>
+      </p:sp>
+      <p:sp>
+        <p:nvSpPr>
+          <p:cNvPr id="21" name="圓角矩形 20"/>
+          <p:cNvSpPr/>
+          <p:nvPr/>
+        </p:nvSpPr>
+        <p:spPr>
+          <a:xfrm>
+            <a:off x="6768354" y="4529421"/>
+            <a:ext cx="1210236" cy="712694"/>
+          </a:xfrm>
+          <a:prstGeom prst="roundRect">
+            <a:avLst/>
+          </a:prstGeom>
+          <a:solidFill>
+            <a:schemeClr val="accent6">
+              <a:lumMod val="40000"/>
+              <a:lumOff val="60000"/>
+            </a:schemeClr>
+          </a:solidFill>
+          <a:ln>
+            <a:noFill/>
+          </a:ln>
+        </p:spPr>
+        <p:style>
+          <a:lnRef idx="2">
+            <a:schemeClr val="accent1">
+              <a:shade val="50000"/>
+            </a:schemeClr>
+          </a:lnRef>
+          <a:fillRef idx="1">
+            <a:schemeClr val="accent1"/>
+          </a:fillRef>
+          <a:effectRef idx="0">
+            <a:schemeClr val="accent1"/>
+          </a:effectRef>
+          <a:fontRef idx="minor">
+            <a:schemeClr val="lt1"/>
+          </a:fontRef>
+        </p:style>
+        <p:txBody>
+          <a:bodyPr rtlCol="0" anchor="ctr"/>
+          <a:lstStyle/>
+          <a:p>
+            <a:pPr algn="ctr"/>
+            <a:r>
+              <a:rPr lang="zh-TW" altLang="en-US" sz="2000" b="1" dirty="0" smtClean="0">
+                <a:solidFill>
+                  <a:schemeClr val="tx1"/>
+                </a:solidFill>
+                <a:latin typeface="微軟正黑體" panose="020B0604030504040204" pitchFamily="34" charset="-120"/>
+                <a:ea typeface="微軟正黑體" panose="020B0604030504040204" pitchFamily="34" charset="-120"/>
+              </a:rPr>
+              <a:t>已完</a:t>
+            </a:r>
+            <a:r>
+              <a:rPr lang="zh-TW" altLang="en-US" sz="2000" b="1" dirty="0">
+                <a:solidFill>
+                  <a:schemeClr val="tx1"/>
+                </a:solidFill>
+                <a:latin typeface="微軟正黑體" panose="020B0604030504040204" pitchFamily="34" charset="-120"/>
+                <a:ea typeface="微軟正黑體" panose="020B0604030504040204" pitchFamily="34" charset="-120"/>
+              </a:rPr>
+              <a:t>成</a:t>
+            </a:r>
+          </a:p>
+        </p:txBody>
+      </p:sp>
+      <p:sp>
+        <p:nvSpPr>
+          <p:cNvPr id="22" name="文字方塊 21"/>
+          <p:cNvSpPr txBox="1"/>
+          <p:nvPr/>
+        </p:nvSpPr>
+        <p:spPr>
+          <a:xfrm>
+            <a:off x="8097082" y="4670635"/>
+            <a:ext cx="2646878" cy="461665"/>
+          </a:xfrm>
+          <a:prstGeom prst="rect">
+            <a:avLst/>
+          </a:prstGeom>
+          <a:noFill/>
+        </p:spPr>
+        <p:txBody>
+          <a:bodyPr wrap="none" rtlCol="0">
+            <a:spAutoFit/>
+          </a:bodyPr>
+          <a:lstStyle/>
+          <a:p>
+            <a:r>
+              <a:rPr lang="zh-TW" altLang="en-US" sz="2400" b="1" dirty="0" smtClean="0">
+                <a:latin typeface="微軟正黑體" panose="020B0604030504040204" pitchFamily="34" charset="-120"/>
+                <a:ea typeface="微軟正黑體" panose="020B0604030504040204" pitchFamily="34" charset="-120"/>
+              </a:rPr>
+              <a:t>已完成備餐的訂單</a:t>
+            </a:r>
+            <a:endParaRPr lang="en-US" altLang="zh-TW" sz="2400" b="1" dirty="0" smtClean="0">
+              <a:latin typeface="微軟正黑體" panose="020B0604030504040204" pitchFamily="34" charset="-120"/>
+              <a:ea typeface="微軟正黑體" panose="020B0604030504040204" pitchFamily="34" charset="-120"/>
+            </a:endParaRPr>
+          </a:p>
+        </p:txBody>
+      </p:sp>
+    </p:spTree>
+    <p:extLst>
+      <p:ext uri="{BB962C8B-B14F-4D97-AF65-F5344CB8AC3E}">
+        <p14:creationId xmlns:p14="http://schemas.microsoft.com/office/powerpoint/2010/main" val="1490933477"/>
+      </p:ext>
+    </p:extLst>
+  </p:cSld>
+  <p:clrMapOvr>
+    <a:masterClrMapping/>
+  </p:clrMapOvr>
+</p:sld>
+</file>
+
+<file path=ppt/slides/slide6.xml><?xml version="1.0" encoding="utf-8"?>
 <p:sld xmlns:a="http://schemas.openxmlformats.org/drawingml/2006/main" xmlns:r="http://schemas.openxmlformats.org/officeDocument/2006/relationships" xmlns:p="http://schemas.openxmlformats.org/presentationml/2006/main">
   <p:cSld>
     <p:spTree>
